--- a/HemantChatAppPresentation.pptx
+++ b/HemantChatAppPresentation.pptx
@@ -5,7 +5,7 @@
     <p:sldMasterId id="2147483648" r:id="rId1"/>
   </p:sldMasterIdLst>
   <p:notesMasterIdLst>
-    <p:notesMasterId r:id="rId12"/>
+    <p:notesMasterId r:id="rId9"/>
   </p:notesMasterIdLst>
   <p:sldIdLst>
     <p:sldId id="256" r:id="rId2"/>
@@ -15,25 +15,22 @@
     <p:sldId id="260" r:id="rId6"/>
     <p:sldId id="261" r:id="rId7"/>
     <p:sldId id="262" r:id="rId8"/>
-    <p:sldId id="263" r:id="rId9"/>
-    <p:sldId id="264" r:id="rId10"/>
-    <p:sldId id="265" r:id="rId11"/>
   </p:sldIdLst>
   <p:sldSz cx="14630400" cy="8229600"/>
   <p:notesSz cx="8229600" cy="14630400"/>
   <p:embeddedFontLst>
     <p:embeddedFont>
       <p:font typeface="MuseoModerno Medium" panose="020B0604020202020204" charset="0"/>
-      <p:regular r:id="rId13"/>
+      <p:regular r:id="rId10"/>
     </p:embeddedFont>
     <p:embeddedFont>
       <p:font typeface="Source Sans Pro" panose="020B0503030403020204" pitchFamily="34" charset="0"/>
-      <p:regular r:id="rId14"/>
-      <p:bold r:id="rId15"/>
+      <p:regular r:id="rId11"/>
+      <p:bold r:id="rId12"/>
     </p:embeddedFont>
     <p:embeddedFont>
-      <p:font typeface="Source Sans Pro Bold" panose="020B0703030403020204" pitchFamily="34" charset="0"/>
-      <p:bold r:id="rId16"/>
+      <p:font typeface="Source Sans Pro Bold" panose="020B0703030403020204" charset="0"/>
+      <p:bold r:id="rId13"/>
     </p:embeddedFont>
   </p:embeddedFontLst>
   <p:defaultTextStyle>
@@ -137,6 +134,258 @@
     </p:ext>
   </p:extLst>
 </p:presentation>
+</file>
+
+<file path=ppt/ink/ink1.xml><?xml version="1.0" encoding="utf-8"?>
+<inkml:ink xmlns:inkml="http://www.w3.org/2003/InkML">
+  <inkml:definitions>
+    <inkml:context xml:id="ctx0">
+      <inkml:inkSource xml:id="inkSrc0">
+        <inkml:traceFormat>
+          <inkml:channel name="X" type="integer" min="-2.14748E9" max="2.14748E9" units="cm"/>
+          <inkml:channel name="Y" type="integer" min="-2.14748E9" max="2.14748E9" units="cm"/>
+          <inkml:channel name="F" type="integer" max="32767" units="dev"/>
+        </inkml:traceFormat>
+        <inkml:channelProperties>
+          <inkml:channelProperty channel="X" name="resolution" value="1000" units="1/cm"/>
+          <inkml:channelProperty channel="Y" name="resolution" value="1000" units="1/cm"/>
+          <inkml:channelProperty channel="F" name="resolution" value="0" units="1/dev"/>
+        </inkml:channelProperties>
+      </inkml:inkSource>
+      <inkml:timestamp xml:id="ts0" timeString="2024-12-07T06:42:42.567"/>
+    </inkml:context>
+    <inkml:brush xml:id="br0">
+      <inkml:brushProperty name="width" value="0.35" units="cm"/>
+      <inkml:brushProperty name="height" value="0.35" units="cm"/>
+      <inkml:brushProperty name="color" value="#FFFFFF"/>
+    </inkml:brush>
+  </inkml:definitions>
+  <inkml:trace contextRef="#ctx0" brushRef="#br0">4239 883 24575,'-466'0'0,"445"2"0,1 0 0,1 1 0,-1 1 0,0 1 0,-25 10 0,24-7 0,0-2 0,-1 0 0,0-1 0,-25 1 0,-300-4 0,166-4 0,159 2 0,-1 2 0,0 1 0,1 1 0,-24 6 0,4-2 0,0-3 0,-1-1 0,1-3 0,-58-4 0,10 1 0,-901 2 0,973-1 0,1-2 0,-1 1 0,1-2 0,0 0 0,-31-13 0,27 9 0,1 2 0,-1 0 0,-29-4 0,-40-6 0,60 10 0,-1 1 0,-35-2 0,53 7 0,-24 0 0,0-2 0,0-1 0,-38-9 0,50 7 0,0 2 0,-38-1 0,4 1 0,57 3 0,0 0 0,-1 0 0,1 0 0,0 0 0,0-1 0,-1 1 0,1-1 0,0 1 0,0-1 0,0 0 0,-1 0 0,1 0 0,0 0 0,0-1 0,1 1 0,-1-1 0,0 1 0,0-1 0,1 1 0,-1-1 0,1 0 0,-1 0 0,1 0 0,0 0 0,-1 0 0,1 0 0,0 0 0,1 0 0,-1 0 0,0 0 0,1-1 0,-1 1 0,0-3 0,1-6 0,0-1 0,1 1 0,0-1 0,1 1 0,6-20 0,1-16 0,-8 29 0,-2 1 0,0-1 0,-1 0 0,-7-32 0,-2-17 0,7 40 0,-1 0 0,-1 1 0,-2-1 0,0 2 0,-2-1 0,-1 1 0,-14-25 0,13 31 0,1 1 0,1-1 0,1-1 0,0 1 0,2-2 0,0 1 0,1-1 0,2 0 0,-4-30 0,9 34 0,5 25 0,6 29 0,-4 6 0,-2 1 0,-2 0 0,-2 0 0,-6 62 0,2-11 0,4 7 0,-5 104 0,3-202 0,-1-1 0,0 0 0,1 0 0,-1 0 0,0 0 0,0 0 0,-1 0 0,1 0 0,-1 0 0,1-1 0,-1 1 0,0-1 0,0 1 0,0-1 0,-1 1 0,1-1 0,0 0 0,-1 0 0,1 0 0,-1 0 0,0-1 0,0 1 0,1-1 0,-1 0 0,0 0 0,0 0 0,0 0 0,-1 0 0,1 0 0,-4 0 0,-11 1 0,-1-1 0,0 0 0,0-2 0,-20-2 0,5 1 0,-55 1 0,-41-2 0,105-2-1365</inkml:trace>
+</inkml:ink>
+</file>
+
+<file path=ppt/ink/ink2.xml><?xml version="1.0" encoding="utf-8"?>
+<inkml:ink xmlns:inkml="http://www.w3.org/2003/InkML">
+  <inkml:definitions>
+    <inkml:context xml:id="ctx0">
+      <inkml:inkSource xml:id="inkSrc0">
+        <inkml:traceFormat>
+          <inkml:channel name="X" type="integer" min="-2.14748E9" max="2.14748E9" units="cm"/>
+          <inkml:channel name="Y" type="integer" min="-2.14748E9" max="2.14748E9" units="cm"/>
+          <inkml:channel name="F" type="integer" max="32767" units="dev"/>
+        </inkml:traceFormat>
+        <inkml:channelProperties>
+          <inkml:channelProperty channel="X" name="resolution" value="1000" units="1/cm"/>
+          <inkml:channelProperty channel="Y" name="resolution" value="1000" units="1/cm"/>
+          <inkml:channelProperty channel="F" name="resolution" value="0" units="1/dev"/>
+        </inkml:channelProperties>
+      </inkml:inkSource>
+      <inkml:timestamp xml:id="ts0" timeString="2024-12-07T06:42:49.697"/>
+    </inkml:context>
+    <inkml:brush xml:id="br0">
+      <inkml:brushProperty name="width" value="0.35" units="cm"/>
+      <inkml:brushProperty name="height" value="0.35" units="cm"/>
+      <inkml:brushProperty name="color" value="#FFFFFF"/>
+    </inkml:brush>
+  </inkml:definitions>
+  <inkml:trace contextRef="#ctx0" brushRef="#br0">50 783 24575,'497'0'0,"-477"0"0,-1 1 0,32 7 0,-45-7 0,-1 0 0,1 0 0,0 1 0,-1 0 0,1 0 0,-1 0 0,0 1 0,0 0 0,0 0 0,0 0 0,0 0 0,8 9 0,-13-12 0,1 1 0,-1 0 0,1-1 0,-1 1 0,1 0 0,-1 0 0,0-1 0,1 1 0,-1 0 0,0 0 0,1 0 0,-1-1 0,0 1 0,0 0 0,0 0 0,0 0 0,0 0 0,0 0 0,0 0 0,0-1 0,0 1 0,0 0 0,-1 0 0,1 0 0,0 0 0,-1-1 0,1 1 0,-1 1 0,-1 1 0,0-1 0,0 0 0,0 0 0,0 0 0,0 0 0,0-1 0,0 1 0,-1-1 0,-3 3 0,-3 0 0,-1 0 0,0 0 0,0 0 0,-12 1 0,-38 3 0,1-3 0,-1-3 0,-72-6 0,54 1 0,-85 7 0,161-4 0,0 0 0,-1 0 0,1 1 0,0-1 0,0 1 0,-1-1 0,1 1 0,0 0 0,0 0 0,0 0 0,0 0 0,0 0 0,-2 2 0,3-3 0,1 1 0,0-1 0,0 0 0,-1 1 0,1-1 0,0 1 0,0-1 0,0 0 0,0 1 0,0-1 0,-1 0 0,1 1 0,0-1 0,0 1 0,0-1 0,0 1 0,0-1 0,0 0 0,0 1 0,0-1 0,0 1 0,1-1 0,-1 0 0,0 1 0,0-1 0,0 1 0,14 13 0,0-5 0,1-1 0,-1 0 0,1-1 0,0-1 0,21 6 0,85 15 0,-20-5 0,-69-16 0,1 0 0,40 1 0,40 7 0,-61-6 0,1-3 0,0-2 0,62-4 0,76 4 0,-116 11 0,-56-9 0,1-1 0,22 2 0,295-4 0,-235-3 0,-1165 1 0,1054 0 0,-1-1 0,1 0 0,-1-1 0,1 0 0,0 0 0,0-1 0,-1 0 0,2 0 0,-1-1 0,0-1 0,-8-5 0,0 1 0,-1 0 0,0 2 0,0 0 0,0 1 0,-1 0 0,0 2 0,0 0 0,0 1 0,-37 0 0,42 2 0,-1-1 0,1 0 0,-1-1 0,1-1 0,0 0 0,-25-11 0,-5-2 0,27 13 0,0 0 0,-1 1 0,1 1 0,0 0 0,-24 2 0,67 1 0,1 1 0,43 9 0,15 14 0,-40-11 0,1-1 0,0-3 0,1-1 0,75 3 0,125-14 0,-246 3 0,0-1 0,0 0 0,0 0 0,1 0 0,-1 0 0,0 0 0,0 0 0,0 0 0,0 0 0,0-1 0,0 1 0,0 0 0,0-1 0,0 1 0,0 0 0,0-1 0,0 1 0,0-1 0,-1 0 0,1 1 0,0-1 0,0 0 0,0 1 0,-1-1 0,2-1 0,-2 0 0,0 1 0,0-1 0,0 1 0,0-1 0,-1 1 0,1 0 0,0-1 0,-1 1 0,1-1 0,-1 1 0,1 0 0,-1-1 0,0 1 0,0 0 0,1 0 0,-1 0 0,0-1 0,-2 0 0,-10-13 0,-1 0 0,-28-23 0,27 25 0,0-1 0,-22-24 0,33 32 0,0 1 0,0-1 0,0 0 0,1-1 0,0 1 0,0-1 0,1 1 0,0-1 0,0 0 0,0 1 0,0-12 0,0-5 0,2-1 0,1 1 0,0 0 0,2 0 0,1 0 0,1 0 0,10-30 0,2 7 0,2 1 0,36-63 0,-33 63 0,32-93 0,-20 45 0,-31 87 0,0-1 0,-1 0 0,0 0 0,0 0 0,-1 0 0,1-12 0,-2 17 0,0 1 0,0-1 0,0 0 0,0 0 0,-1 0 0,1 0 0,-1 1 0,0-1 0,1 0 0,-1 0 0,0 1 0,0-1 0,0 1 0,0-1 0,0 1 0,0-1 0,0 1 0,-1-1 0,1 1 0,-1 0 0,1 0 0,-1 0 0,1 0 0,-1 0 0,1 0 0,-1 0 0,0 0 0,1 1 0,-1-1 0,-3 0 0,-15-3 0,1 0 0,0 2 0,-40-1 0,-61 9 0,78-2 0,-80 16 0,101-14 0,1 0 0,0 2 0,0 0 0,0 1 0,-30 19 0,21-10 0,7-4 0,-1 1 0,-31 29 0,48-39 0,1 0 0,0 1 0,0 0 0,1 0 0,-1 0 0,1 0 0,0 1 0,1 0 0,0-1 0,0 1 0,0 1 0,1-1 0,-2 14 0,2-12 0,1 1 0,0-1 0,1 0 0,0 0 0,1 1 0,0-1 0,0 0 0,1 0 0,0 0 0,1 0 0,4 10 0,-4-13 0,1 0 0,0 0 0,0 0 0,0 0 0,1-1 0,0 1 0,0-1 0,0 0 0,1-1 0,0 1 0,0-1 0,0 0 0,0-1 0,13 6 0,3 0 0,0-2 0,1 0 0,0-1 0,1-1 0,25 2 0,120 0 0,-125-6 0,651-41 0,-492 22 0,158 12 0,-303 6 0,-176 5 0,-118 21 0,-81 5 0,285-30 0,-265-3 0,293 2 0,1 0 0,-1-1 0,1 1 0,0-1 0,-1 0 0,1 1 0,0-2 0,-1 1 0,1 0 0,0-1 0,0 1 0,0-1 0,0 0 0,0 0 0,0 0 0,1-1 0,-1 1 0,1 0 0,-1-1 0,1 0 0,0 0 0,0 1 0,0-1 0,1-1 0,-1 1 0,1 0 0,-1 0 0,1 0 0,0-1 0,0 1 0,1 0 0,-1-1 0,1 1 0,-1-1 0,1 1 0,0-1 0,1 1 0,-1-1 0,0 1 0,2-5 0,0-3 32,1 0 0,0 0 0,1 1 0,0-1 0,1 1-1,0 0 1,8-13 0,6-4-62,26-29-1,18-26-1528</inkml:trace>
+</inkml:ink>
+</file>
+
+<file path=ppt/ink/ink3.xml><?xml version="1.0" encoding="utf-8"?>
+<inkml:ink xmlns:inkml="http://www.w3.org/2003/InkML">
+  <inkml:definitions>
+    <inkml:context xml:id="ctx0">
+      <inkml:inkSource xml:id="inkSrc0">
+        <inkml:traceFormat>
+          <inkml:channel name="X" type="integer" min="-2.14748E9" max="2.14748E9" units="cm"/>
+          <inkml:channel name="Y" type="integer" min="-2.14748E9" max="2.14748E9" units="cm"/>
+          <inkml:channel name="F" type="integer" max="32767" units="dev"/>
+        </inkml:traceFormat>
+        <inkml:channelProperties>
+          <inkml:channelProperty channel="X" name="resolution" value="1000" units="1/cm"/>
+          <inkml:channelProperty channel="Y" name="resolution" value="1000" units="1/cm"/>
+          <inkml:channelProperty channel="F" name="resolution" value="0" units="1/dev"/>
+        </inkml:channelProperties>
+      </inkml:inkSource>
+      <inkml:timestamp xml:id="ts0" timeString="2024-12-07T06:42:57.203"/>
+    </inkml:context>
+    <inkml:brush xml:id="br0">
+      <inkml:brushProperty name="width" value="0.35" units="cm"/>
+      <inkml:brushProperty name="height" value="0.35" units="cm"/>
+      <inkml:brushProperty name="color" value="#FFFFFF"/>
+    </inkml:brush>
+  </inkml:definitions>
+  <inkml:trace contextRef="#ctx0" brushRef="#br0">2895 0 24575,'-1582'0'0,"1563"1"0,-1 1 0,1 1 0,-23 6 0,20-3 0,-42 3 0,-311-6 0,193-5 0,83 0 0,-112 5 0,72 18 0,100-14 0,-43 15-1365</inkml:trace>
+</inkml:ink>
+</file>
+
+<file path=ppt/ink/ink4.xml><?xml version="1.0" encoding="utf-8"?>
+<inkml:ink xmlns:inkml="http://www.w3.org/2003/InkML">
+  <inkml:definitions>
+    <inkml:context xml:id="ctx0">
+      <inkml:inkSource xml:id="inkSrc0">
+        <inkml:traceFormat>
+          <inkml:channel name="X" type="integer" min="-2.14748E9" max="2.14748E9" units="cm"/>
+          <inkml:channel name="Y" type="integer" min="-2.14748E9" max="2.14748E9" units="cm"/>
+          <inkml:channel name="F" type="integer" max="32767" units="dev"/>
+        </inkml:traceFormat>
+        <inkml:channelProperties>
+          <inkml:channelProperty channel="X" name="resolution" value="1000" units="1/cm"/>
+          <inkml:channelProperty channel="Y" name="resolution" value="1000" units="1/cm"/>
+          <inkml:channelProperty channel="F" name="resolution" value="0" units="1/dev"/>
+        </inkml:channelProperties>
+      </inkml:inkSource>
+      <inkml:timestamp xml:id="ts0" timeString="2024-12-07T06:43:02.709"/>
+    </inkml:context>
+    <inkml:brush xml:id="br0">
+      <inkml:brushProperty name="width" value="0.35" units="cm"/>
+      <inkml:brushProperty name="height" value="0.35" units="cm"/>
+      <inkml:brushProperty name="color" value="#FFFFFF"/>
+    </inkml:brush>
+  </inkml:definitions>
+  <inkml:trace contextRef="#ctx0" brushRef="#br0">2970 1 24575,'1'100'0,"-3"111"0,1-208 0,1 0 0,-1 0 0,0 0 0,1 0 0,-1 0 0,-1 0 0,1 0 0,0 0 0,-1-1 0,1 1 0,-1 0 0,0-1 0,0 1 0,0-1 0,0 0 0,-1 1 0,1-1 0,-1 0 0,1-1 0,-1 1 0,1 0 0,-1-1 0,0 1 0,0-1 0,0 0 0,0 0 0,0 0 0,0 0 0,0-1 0,-4 1 0,-12 1 0,0 0 0,0-2 0,0 0 0,-20-4 0,5 2 0,-241-1 0,207 3 0,48 1 0,1 1 0,-1 1 0,-21 6 0,18-3 0,-41 3 0,-52-8 0,-14 0 0,54 13 0,57-9 0,-1-1 0,-22 2 0,6-4 0,21-2 0,1 0 0,-1 1 0,0 1 0,1 0 0,-1 1 0,1 1 0,0 0 0,-20 9 0,12-2 0,-1-1 0,0-1 0,-1-1 0,0-1 0,0-1 0,-1-1 0,1-1 0,-1-1 0,-37-1 0,-1086-4 0,1122 4 0,0 1 0,-47 11 0,13-2 0,36-6-1365</inkml:trace>
+</inkml:ink>
+</file>
+
+<file path=ppt/ink/ink5.xml><?xml version="1.0" encoding="utf-8"?>
+<inkml:ink xmlns:inkml="http://www.w3.org/2003/InkML">
+  <inkml:definitions>
+    <inkml:context xml:id="ctx0">
+      <inkml:inkSource xml:id="inkSrc0">
+        <inkml:traceFormat>
+          <inkml:channel name="X" type="integer" min="-2.14748E9" max="2.14748E9" units="cm"/>
+          <inkml:channel name="Y" type="integer" min="-2.14748E9" max="2.14748E9" units="cm"/>
+          <inkml:channel name="F" type="integer" max="32767" units="dev"/>
+        </inkml:traceFormat>
+        <inkml:channelProperties>
+          <inkml:channelProperty channel="X" name="resolution" value="1000" units="1/cm"/>
+          <inkml:channelProperty channel="Y" name="resolution" value="1000" units="1/cm"/>
+          <inkml:channelProperty channel="F" name="resolution" value="0" units="1/dev"/>
+        </inkml:channelProperties>
+      </inkml:inkSource>
+      <inkml:timestamp xml:id="ts0" timeString="2024-12-07T06:43:04.683"/>
+    </inkml:context>
+    <inkml:brush xml:id="br0">
+      <inkml:brushProperty name="width" value="0.35" units="cm"/>
+      <inkml:brushProperty name="height" value="0.35" units="cm"/>
+      <inkml:brushProperty name="color" value="#FFFFFF"/>
+    </inkml:brush>
+  </inkml:definitions>
+  <inkml:trace contextRef="#ctx0" brushRef="#br0">1432 341 24575,'-108'1'0,"-117"-3"0,196-1 0,-34-9 0,39 6 0,-1 2 0,-30-2 0,29 4 0,-1-2 0,0-2 0,1 0 0,-45-17 0,27 8 0,11 4 0,-54-14 0,69 22 0,-59-12 0,-100-33 0,127 27 0,36 14 0,-1 0 0,1 2 0,-23-6 0,21 8 0,0 0 0,0-1 0,-29-10 0,41 12 0,0 0 0,0 0 0,0 0 0,0 0 0,1-1 0,-1 1 0,1-1 0,-1 0 0,1 0 0,0-1 0,0 1 0,1 0 0,-1-1 0,1 0 0,-4-6 0,-4-14-1365</inkml:trace>
+</inkml:ink>
+</file>
+
+<file path=ppt/ink/ink6.xml><?xml version="1.0" encoding="utf-8"?>
+<inkml:ink xmlns:inkml="http://www.w3.org/2003/InkML">
+  <inkml:definitions>
+    <inkml:context xml:id="ctx0">
+      <inkml:inkSource xml:id="inkSrc0">
+        <inkml:traceFormat>
+          <inkml:channel name="X" type="integer" min="-2.14748E9" max="2.14748E9" units="cm"/>
+          <inkml:channel name="Y" type="integer" min="-2.14748E9" max="2.14748E9" units="cm"/>
+          <inkml:channel name="F" type="integer" max="32767" units="dev"/>
+        </inkml:traceFormat>
+        <inkml:channelProperties>
+          <inkml:channelProperty channel="X" name="resolution" value="1000" units="1/cm"/>
+          <inkml:channelProperty channel="Y" name="resolution" value="1000" units="1/cm"/>
+          <inkml:channelProperty channel="F" name="resolution" value="0" units="1/dev"/>
+        </inkml:channelProperties>
+      </inkml:inkSource>
+      <inkml:timestamp xml:id="ts0" timeString="2024-12-07T06:44:24.361"/>
+    </inkml:context>
+    <inkml:brush xml:id="br0">
+      <inkml:brushProperty name="width" value="0.35" units="cm"/>
+      <inkml:brushProperty name="height" value="0.35" units="cm"/>
+      <inkml:brushProperty name="color" value="#FFFFFF"/>
+    </inkml:brush>
+  </inkml:definitions>
+  <inkml:trace contextRef="#ctx0" brushRef="#br0">1043 1769 24575,'-1043'0'0,"1903"0"0,-859 0 0,1 0 0,-1 0 0,1-1 0,-1 1 0,0 0 0,1 1 0,-1-1 0,1 0 0,-1 0 0,0 0 0,1 1 0,-1-1 0,0 1 0,1-1 0,-1 1 0,0 0 0,0-1 0,1 1 0,0 1 0,-3-1 0,1 0 0,-1 0 0,0 0 0,0 0 0,0 0 0,0-1 0,0 1 0,0 0 0,0-1 0,0 1 0,-1 0 0,1-1 0,0 0 0,0 1 0,0-1 0,-1 0 0,1 1 0,0-1 0,-1 0 0,1 0 0,-2 0 0,-73 9 0,0-3 0,-129-6 0,94-2 0,72 0 0,23 1 0,-1 1 0,1 0 0,-1 1 0,-30 6 0,32 1 0,15-8 0,0 0 0,0 1 0,0-1 0,0 0 0,0 1 0,0-1 0,0 0 0,1 1 0,-1-1 0,0 0 0,0 0 0,0 1 0,0-1 0,1 0 0,-1 0 0,0 1 0,0-1 0,0 0 0,1 0 0,-1 1 0,0-1 0,0 0 0,1 0 0,-1 0 0,0 0 0,1 0 0,-1 1 0,0-1 0,1 0 0,33 7 0,8-9 0,0-2 0,0-1 0,46-13 0,63-9 0,-127 24 0,0-2 0,-1-1 0,41-15 0,-29 9 0,41-6 0,-101 20 0,-41-3 0,5 0 0,-339 21 0,333-16 0,-38 6 0,94-8 0,1 0 0,-1 1 0,1 1 0,-1-1 0,1 1 0,1 1 0,-14 8 0,21-12 0,0 0 0,0 0 0,1 0 0,-1 0 0,1 1 0,-1-1 0,1 1 0,-1-1 0,1 1 0,0 0 0,0-1 0,-2 5 0,3-6 0,-1 1 0,1 0 0,0-1 0,0 1 0,0 0 0,0-1 0,0 1 0,0-1 0,0 1 0,1 0 0,-1-1 0,0 1 0,0 0 0,0-1 0,0 1 0,1-1 0,-1 1 0,0-1 0,1 1 0,-1 0 0,0-1 0,1 1 0,-1-1 0,1 0 0,-1 1 0,2 0 0,2 1 0,0 1 0,0-1 0,1 0 0,-1-1 0,1 1 0,-1-1 0,1 0 0,0 0 0,-1-1 0,6 1 0,135 4 0,247-23 0,-29-1 0,-352 18 0,-1 1 0,1 1 0,-1 0 0,16 4 0,-26-5 0,0 0 0,1-1 0,-1 2 0,0-1 0,0 0 0,1 0 0,-1 0 0,0 0 0,0 0 0,0 0 0,1 0 0,-1 0 0,0 0 0,0 0 0,0 0 0,1 0 0,-1 1 0,0-1 0,0 0 0,0 0 0,1 0 0,-1 0 0,0 0 0,0 1 0,0-1 0,0 0 0,0 0 0,0 0 0,1 1 0,-1-1 0,0 0 0,0 0 0,0 1 0,0-1 0,0 0 0,0 0 0,0 0 0,0 1 0,0-1 0,0 0 0,0 0 0,0 1 0,0-1 0,0 0 0,0 0 0,0 1 0,0-1 0,0 0 0,-1 0 0,1 0 0,0 1 0,0-1 0,0 0 0,-17 12 0,-28 6 0,-244 66 0,19-6 0,258-74 0,-95 33 0,-103 50 0,203-83 0,0 0 0,0 0 0,1 0 0,0 1 0,0 0 0,0 0 0,0 1 0,1 0 0,0 0 0,-5 7 0,9-11 0,0-1 0,0 1 0,0 0 0,1-1 0,-1 1 0,0 0 0,1 0 0,0-1 0,-1 1 0,1 0 0,0 0 0,0 0 0,0 0 0,0 0 0,0 0 0,0-1 0,0 1 0,2 3 0,-1-3 0,0 0 0,0 0 0,1 0 0,-1 0 0,1 0 0,0 0 0,0 0 0,0 0 0,-1-1 0,1 1 0,1-1 0,-1 0 0,0 1 0,0-1 0,0 0 0,1 0 0,4 1 0,43 13 0,0-1 0,2-3 0,-1-2 0,61 3 0,210-7 0,-201-6 0,-180 0 0,-1 2 0,1 3 0,0 3 0,-94 22 0,106-19 0,-23 6 0,66-16 0,1 2 0,0-1 0,0 0 0,0 1 0,0-1 0,0 1 0,0 0 0,0 0 0,0 0 0,1 0 0,-1 1 0,1-1 0,-1 1 0,1-1 0,-3 6 0,4-7 0,1 0 0,0 1 0,-1-1 0,1 0 0,0 0 0,0 0 0,-1 0 0,1 1 0,0-1 0,0 0 0,1 0 0,-1 1 0,0-1 0,0 0 0,1 0 0,-1 0 0,0 0 0,1 0 0,-1 1 0,1-1 0,-1 0 0,1 0 0,0 0 0,0 0 0,-1 0 0,1-1 0,0 1 0,0 0 0,0 0 0,0 0 0,0-1 0,0 1 0,0 0 0,0-1 0,0 1 0,0-1 0,0 1 0,0-1 0,1 0 0,0 1 0,8 2 0,-1 0 0,0-1 0,16 3 0,47 1 0,1-3 0,76-6 0,-25-1 0,-81 5 0,0-2 0,0-2 0,0-2 0,69-16 0,-37 0 0,101-36 0,153-65 0,-55 29 0,-94 48 0,-136 34 0,0 2 0,0 2 0,65-2 0,129 8 0,-144 3 0,-422 12 0,-13 0 0,269-15 0,1-3 0,-126-24 0,142 18 0,-1 1 0,0 4 0,-77 1 0,125 5 0,-1-1 0,1 0 0,-1 0 0,1-1 0,-1 0 0,1-1 0,0 0 0,-1 0 0,1-1 0,-10-4 0,18 7 0,-1-1 0,1 1 0,0 0 0,0-1 0,0 1 0,0-1 0,0 1 0,0-1 0,0 1 0,0 0 0,0-1 0,0 1 0,0-1 0,0 1 0,0 0 0,0-1 0,0 1 0,0-1 0,0 1 0,1 0 0,-1-1 0,0 1 0,0-1 0,0 1 0,1 0 0,-1-1 0,0 1 0,1 0 0,-1-1 0,0 1 0,1 0 0,-1 0 0,0-1 0,1 1 0,-1 0 0,0 0 0,1 0 0,-1 0 0,1-1 0,-1 1 0,0 0 0,1 0 0,-1 0 0,1 0 0,19-10 0,0 4 0,1 2 0,-1 0 0,0 1 0,1 0 0,40 2 0,3-1 0,-61 2 0,0 0 0,0-1 0,0 1 0,0-1 0,0 0 0,0 0 0,0 0 0,0 0 0,0 0 0,0-1 0,-1 1 0,5-4 0,-7 5 0,0 0 0,1-1 0,-1 1 0,0 0 0,0-1 0,1 1 0,-1 0 0,0-1 0,0 1 0,0 0 0,0-1 0,1 1 0,-1 0 0,0-1 0,0 1 0,0 0 0,0-1 0,0 1 0,0-1 0,0 1 0,0 0 0,0-1 0,0 1 0,0-1 0,0 1 0,0 0 0,0-1 0,0 1 0,-1 0 0,1-1 0,0 1 0,0 0 0,0-1 0,-1 0 0,0 0 0,-1 0 0,0 0 0,1-1 0,-1 1 0,0 0 0,0 0 0,0 0 0,0 1 0,0-1 0,0 0 0,-3 0 0,-57-12 0,-2 3 0,-115-3 0,123 10 0,-240-4 0,28 1 0,265 6 0,0 0 0,0 0 0,1 0 0,-1 0 0,0-1 0,1 1 0,-1-1 0,0 0 0,1 0 0,-1 0 0,1 0 0,-1 0 0,1-1 0,0 1 0,-1-1 0,1 1 0,-2-3 0,3 3 0,1 1 0,0-1 0,-1 0 0,1 0 0,0 1 0,-1-1 0,1 0 0,0 0 0,0 1 0,0-1 0,0 0 0,0 0 0,0 1 0,0-1 0,0 0 0,0 0 0,0 0 0,0 1 0,0-1 0,1 0 0,-1 0 0,1 0 0,0-2 0,0 1 0,1 0 0,-1-1 0,1 1 0,0 0 0,0 0 0,0 0 0,0 0 0,2-1 0,12-8 0,0 2 0,0 0 0,1 0 0,0 2 0,1 0 0,28-7 0,-6 1 0,584-174 0,12 22 0,-590 153 0,745-147 0,-657 144 0,-96 13 0,0-2 0,0-2 0,69-19 0,-80 17 0,1 1 0,0 1 0,0 1 0,37-1 0,116 7 0,-75 1 0,419-2 0,-505-2 0,-20 2 0,0 0 0,0 0 0,0 0 0,1 0 0,-1 0 0,0 0 0,0 0 0,0 0 0,0-1 0,0 1 0,0 0 0,0 0 0,0 0 0,0 0 0,0 0 0,1 0 0,-1 0 0,0 0 0,0-1 0,0 1 0,0 0 0,0 0 0,0 0 0,0 0 0,0 0 0,0 0 0,0 0 0,0-1 0,0 1 0,0 0 0,0 0 0,0 0 0,0 0 0,0 0 0,0 0 0,0 0 0,0-1 0,0 1 0,-1 0 0,1 0 0,0 0 0,0 0 0,0 0 0,0 0 0,0 0 0,0 0 0,0 0 0,0-1 0,0 1 0,0 0 0,-1 0 0,1 0 0,0 0 0,0 0 0,0 0 0,0 0 0,0 0 0,0 0 0,0 0 0,-1 0 0,-36-12 0,-149-15-23,-236-3-1,361 27-19,-962-11 126,925 14-76,971-40-7,-575-2 0,-258 37 0,-32 5 0,0 0 0,1-1 0,-1-1 0,0 1 0,0-1 0,14-6 0,-21 8 0,0 0 0,-1-1 0,1 1 0,0-1 0,0 0 0,-1 1 0,1-1 0,0 0 0,-1 1 0,1-1 0,-1 0 0,1 0 0,-1 1 0,1-1 0,-1 0 0,1 0 0,-1 0 0,0 0 0,1 1 0,-1-1 0,0 0 0,0 0 0,0 0 0,0 0 0,0 0 0,0 0 0,0 0 0,0 0 0,0 0 0,0 0 0,0 0 0,-1 0 0,1 1 0,0-1 0,-1 0 0,1 0 0,0 0 0,-1 0 0,1 1 0,-1-1 0,0 0 0,1 0 0,-1 1 0,1-1 0,-1 0 0,0 1 0,-1-2 0,-4-3 0,1 0 0,-1 0 0,-1 0 0,-11-7 0,-4 1 0,0 1 0,-1 1 0,0 1 0,-30-6 0,-105-15 0,114 22 0,-364-43 0,-14-3 0,391 49 0,24 4 0,0 0 0,0 0 0,1-1 0,-1-1 0,1 1 0,-1-1 0,1 0 0,-1 0 0,1-1 0,0 1 0,0-1 0,-7-6 0,12 9 0,0-1 0,1 0 0,-1 0 0,0 0 0,1 1 0,-1-1 0,1 0 0,-1 0 0,1 0 0,-1 0 0,1 0 0,0 0 0,-1 0 0,1 0 0,0 0 0,0 0 0,0 0 0,0 0 0,0 0 0,0 0 0,0 0 0,0 0 0,0 0 0,0 0 0,0 0 0,1 0 0,-1 0 0,1 0 0,-1 0 0,0 0 0,1 0 0,0 0 0,-1 0 0,1 0 0,-1 0 0,1 1 0,0-1 0,1-1 0,1-1 0,1-1 0,1 1 0,-1 0 0,0 0 0,1 0 0,8-4 0,17-4 0,0 0 0,58-10 0,-31 8 0,214-45 0,-202 47 0,1 4 0,72 2 0,-142 5 0,13 1 0,0-2 0,1 1 0,13-4 0,-26 4 0,-1 0 0,1 0 0,-1 0 0,1 0 0,-1 0 0,1 0 0,0 0 0,-1-1 0,1 1 0,-1 0 0,1 0 0,-1-1 0,1 1 0,-1 0 0,1-1 0,-1 1 0,0 0 0,1-1 0,-1 1 0,0-1 0,1 1 0,-1-1 0,1 0 0,-8-7 0,-26-6 0,-162-21 0,-628-40-976,-13 64-1,679 14 2440,731-3-973,-560 0-490,-8 1 0,0-1 0,-1 1 0,1-1 0,0-1 0,0 1 0,0-1 0,-1 0 0,1-1 0,-1 1 0,1-1 0,8-4 0,-14 6 0,0 0 0,0-1 0,0 1 0,0 0 0,0 0 0,1-1 0,-1 1 0,0 0 0,0 0 0,0-1 0,0 1 0,0 0 0,0-1 0,0 1 0,0 0 0,0 0 0,0-1 0,0 1 0,0 0 0,0 0 0,0-1 0,0 1 0,0 0 0,-1 0 0,1-1 0,0 1 0,0 0 0,0 0 0,0-1 0,0 1 0,-1 0 0,1 0 0,0-1 0,0 1 0,0 0 0,-1 0 0,1 0 0,0 0 0,0 0 0,-1-1 0,1 1 0,0 0 0,0 0 0,-1 0 0,1 0 0,0 0 0,0 0 0,-1 0 0,1 0 0,0 0 0,-1 0 0,1 0 0,0 0 0,0 0 0,-1 0 0,1 0 0,-22-6 0,20 6 0,-2-1 0,0 0 0,0 0 0,0-1 0,1 1 0,-1-1 0,-5-3 0,9 5 0,-1-1 0,1 1 0,-1-1 0,1 1 0,-1-1 0,1 1 0,-1-1 0,1 0 0,-1 1 0,1-1 0,0 1 0,-1-1 0,1 0 0,0 1 0,0-1 0,0 0 0,-1 1 0,1-1 0,0 0 0,0 0 0,0 1 0,0-1 0,0 0 0,0 1 0,0-1 0,0 0 0,1 1 0,-1-1 0,0 0 0,0 1 0,1-1 0,-1 0 0,0 1 0,1-1 0,-1 0 0,0 1 0,1-1 0,-1 1 0,1-1 0,-1 1 0,1-1 0,-1 1 0,1-1 0,1 0 0,4-4 0,0 0 0,0 0 0,1 1 0,0 0 0,0 0 0,0 1 0,0-1 0,1 1 0,-1 1 0,1 0 0,13-3 0,11 1 0,53-1 0,-32 3 0,-49 1 0,0 1 0,-1-1 0,1 1 0,-1-1 0,1 0 0,-1 0 0,7-3 0,-9 3 0,-1 1 0,0 0 0,1 0 0,-1-1 0,0 1 0,1 0 0,-1 0 0,0-1 0,1 1 0,-1 0 0,0-1 0,0 1 0,1-1 0,-1 1 0,0 0 0,0-1 0,0 1 0,0-1 0,1 1 0,-1 0 0,0-1 0,0 1 0,0-1 0,0 1 0,0-1 0,0 0 0,-1 0 0,1 0 0,-1 0 0,1 0 0,-1 0 0,0 0 0,1 0 0,-1 0 0,0 0 0,0 0 0,0 0 0,0 0 0,0 1 0,0-1 0,-2-1 0,-8-5 0,-1 1 0,-1 0 0,1 0 0,-1 1 0,0 1 0,0 0 0,0 1 0,-16-2 0,-113-6 0,138 11 0,-179-1 0,180 1 0,-1-1 0,1 1 0,-1-1 0,1 0 0,-1 1 0,1-2 0,0 1 0,0 0 0,-1-1 0,1 1 0,0-1 0,0 0 0,-4-4 0,6 6 0,1-1 0,-1 0 0,1 1 0,-1-1 0,1 0 0,-1 1 0,1-1 0,0 0 0,-1 0 0,1 1 0,0-1 0,0 0 0,-1 0 0,1 0 0,0 1 0,0-1 0,0 0 0,0 0 0,0 0 0,0 0 0,0 1 0,0-3 0,1 2 0,0-1 0,0 0 0,0 1 0,0-1 0,0 0 0,0 1 0,1 0 0,-1-1 0,0 1 0,1 0 0,-1-1 0,1 1 0,-1 0 0,4-1 0,8-4 0,1 0 0,1 2 0,-1-1 0,1 2 0,0 0 0,-1 1 0,1 0 0,0 1 0,0 1 0,19 1 0,-30-1 0,0 1 0,0 0 0,0-1 0,0 1 0,0 0 0,0 1 0,-1-1 0,1 1 0,0 0 0,-1-1 0,1 2 0,-1-1 0,1 0 0,-1 1 0,0-1 0,0 1 0,0 0 0,0 0 0,-1 0 0,1 1 0,-1-1 0,0 1 0,0-1 0,0 1 0,-1 0 0,1-1 0,1 7 0,2 9 0,-1 1 0,-1-1 0,-1 1 0,0 29 0,0-14 0,1-2 0,2-1 0,1-1 0,2 1 0,1-1 0,1 0 0,2-1 0,1 0 0,2-1 0,21 34 0,24 24 0,105 120 0,-55-74 0,-84-100 0,21 27 0,81 81 0,-108-122 0,-1 0 0,-1 1 0,-1 1 0,0 1 0,22 38 0,-30-43 0,1-1 0,1-1 0,1 0 0,26 26 0,60 44 0,-55-51 0,-24-17-1365</inkml:trace>
+</inkml:ink>
+</file>
+
+<file path=ppt/ink/ink7.xml><?xml version="1.0" encoding="utf-8"?>
+<inkml:ink xmlns:inkml="http://www.w3.org/2003/InkML">
+  <inkml:definitions>
+    <inkml:context xml:id="ctx0">
+      <inkml:inkSource xml:id="inkSrc0">
+        <inkml:traceFormat>
+          <inkml:channel name="X" type="integer" min="-2.14748E9" max="2.14748E9" units="cm"/>
+          <inkml:channel name="Y" type="integer" min="-2.14748E9" max="2.14748E9" units="cm"/>
+          <inkml:channel name="F" type="integer" max="32767" units="dev"/>
+        </inkml:traceFormat>
+        <inkml:channelProperties>
+          <inkml:channelProperty channel="X" name="resolution" value="1000" units="1/cm"/>
+          <inkml:channelProperty channel="Y" name="resolution" value="1000" units="1/cm"/>
+          <inkml:channelProperty channel="F" name="resolution" value="0" units="1/dev"/>
+        </inkml:channelProperties>
+      </inkml:inkSource>
+      <inkml:timestamp xml:id="ts0" timeString="2024-12-07T06:44:33.133"/>
+    </inkml:context>
+    <inkml:brush xml:id="br0">
+      <inkml:brushProperty name="width" value="0.35" units="cm"/>
+      <inkml:brushProperty name="height" value="0.35" units="cm"/>
+      <inkml:brushProperty name="color" value="#FFFFFF"/>
+    </inkml:brush>
+  </inkml:definitions>
+  <inkml:trace contextRef="#ctx0" brushRef="#br0">1780 466 24575,'-23'-2'0,"0"-1"0,0 0 0,1-2 0,-25-8 0,-36-8 0,-11 7 0,-115-25 0,-40-23 0,-129-62 0,358 117 0,0 1 0,0 2 0,-1 0 0,1 0 0,-27 1 0,-108 5 0,58 1 0,-131-3 0,439-1 0,254 3 0,-396 4 0,0 3 0,-1 2 0,86 28 0,-109-29 0,0-2 0,1-1 0,46-1 0,143-8 0,-90-1 0,809 3 0,-930-1 0,1-2 0,0-1 0,-1 0 0,1-2 0,35-14 0,-25 9 0,14-3 0,-26 9 0,-1-2 0,0-1 0,36-17 0,-26 7 0,0 1 0,1 2 0,43-13 0,-156 27 0,-990 4 0,598-5 0,467 0 0,12-4 0,15-4 0,14 3 0,-1 2 0,1 1 0,1 3 0,58 3 0,-26 0 0,768-1 0,-818-3 0,1 0 0,-1 0 0,23-8 0,-20 5 0,42-5 0,-55 9 0,1 1 0,-1 0 0,1 0 0,-1 1 0,1 0 0,10 2 0,-17-2 0,-1 0 0,1 1 0,-1-1 0,1 0 0,-1 1 0,1-1 0,-1 1 0,0 0 0,0-1 0,0 1 0,0 0 0,0 1 0,0-1 0,0 0 0,-1 0 0,1 1 0,-1-1 0,0 1 0,1 0 0,-1-1 0,0 1 0,-1 0 0,1-1 0,0 7 0,3 21 0,-2 1 0,-1-1 0,-5 50 0,0-1 0,4-70 0,-1 1 0,1 0 0,0-1 0,1 1 0,0 0 0,4 15 0,-4-22 0,0-1 0,0 0 0,0 0 0,0 1 0,1-1 0,-1 0 0,0 0 0,1 0 0,0 0 0,-1 0 0,1-1 0,0 1 0,0 0 0,0-1 0,0 0 0,0 1 0,0-1 0,1 0 0,-1 0 0,0 0 0,1 0 0,-1 0 0,0-1 0,1 1 0,-1-1 0,1 0 0,3 1 0,0-2 0,0 1 0,1-1 0,-1 0 0,0 0 0,0-1 0,0 0 0,0 0 0,0 0 0,0-1 0,-1 1 0,1-2 0,-1 1 0,0 0 0,1-1 0,5-7 0,7-4 0,-2-2 0,27-33 0,-12 12 0,-22 28 0,0 0 0,-1 0 0,0-1 0,-1 0 0,0 0 0,0-1 0,-1 1 0,5-18 0,-11 28 0,1 1 0,-1 0 0,0-1 0,0 1 0,0-1 0,0 1 0,0-1 0,0 1 0,0-1 0,0 1 0,0 0 0,0-1 0,0 1 0,0-1 0,0 1 0,0-1 0,-1 1 0,1-1 0,0 1 0,0 0 0,0-1 0,-1 1 0,1-1 0,0 1 0,0 0 0,-1-1 0,1 1 0,0 0 0,-1 0 0,1-1 0,-1 1 0,1 0 0,0 0 0,-1-1 0,1 1 0,-1 0 0,0 0 0,-24-1 0,-29 13 0,52-12 0,-38 10 0,0-1 0,0-3 0,-55 2 0,-125-8 0,91-2 0,-13 2-1365</inkml:trace>
+</inkml:ink>
+</file>
+
+<file path=ppt/ink/ink8.xml><?xml version="1.0" encoding="utf-8"?>
+<inkml:ink xmlns:inkml="http://www.w3.org/2003/InkML">
+  <inkml:definitions>
+    <inkml:context xml:id="ctx0">
+      <inkml:inkSource xml:id="inkSrc0">
+        <inkml:traceFormat>
+          <inkml:channel name="X" type="integer" min="-2.14748E9" max="2.14748E9" units="cm"/>
+          <inkml:channel name="Y" type="integer" min="-2.14748E9" max="2.14748E9" units="cm"/>
+          <inkml:channel name="F" type="integer" max="32767" units="dev"/>
+        </inkml:traceFormat>
+        <inkml:channelProperties>
+          <inkml:channelProperty channel="X" name="resolution" value="1000" units="1/cm"/>
+          <inkml:channelProperty channel="Y" name="resolution" value="1000" units="1/cm"/>
+          <inkml:channelProperty channel="F" name="resolution" value="0" units="1/dev"/>
+        </inkml:channelProperties>
+      </inkml:inkSource>
+      <inkml:timestamp xml:id="ts0" timeString="2024-12-07T06:44:40.013"/>
+    </inkml:context>
+    <inkml:brush xml:id="br0">
+      <inkml:brushProperty name="width" value="0.35" units="cm"/>
+      <inkml:brushProperty name="height" value="0.35" units="cm"/>
+      <inkml:brushProperty name="color" value="#FFFFFF"/>
+    </inkml:brush>
+  </inkml:definitions>
+  <inkml:trace contextRef="#ctx0" brushRef="#br0">3460 254 24575,'-2728'0'0,"2697"2"0,1 1 0,-1 2 0,-56 16 0,53-12 0,1-1 0,-62 6 0,66-11 0,-45 10 0,47-7 0,0-2 0,-32 2 0,33-3 0,-1 0 0,-30 9 0,-7 0 0,159-13 0,-33 3 0,643-3 0,-675 0 0,0-2 0,40-10 0,-4 2 0,-8 0 0,63-21 0,-84 22 0,-16 5 0,1 1 0,0 1 0,26 0 0,-33 3 0,-1 0 0,1-1 0,0-1 0,-1-1 0,0 0 0,0 0 0,0-2 0,0 1 0,16-9 0,4-8 0,1 1 0,1 2 0,1 2 0,0 1 0,55-14 0,-2 2 0,-67 19 0,-1 1 0,1 1 0,37-5 0,50-5 0,-63 9 0,76-4 0,403 12 0,-518 0 69,-1-2-1,0 1 0,0-1 0,14-3 1,-18 3-164,-1 0 0,0 0 0,1 0 0,-1 0 1,0 0-1,0 0 0,0-1 0,0 1 0,0-1 0,0 0 1,0 1-1,0-1 0,-1 0 0,1 0 0,-1 0 1,1 0-1,1-4 0</inkml:trace>
+</inkml:ink>
+</file>
+
+<file path=ppt/ink/ink9.xml><?xml version="1.0" encoding="utf-8"?>
+<inkml:ink xmlns:inkml="http://www.w3.org/2003/InkML">
+  <inkml:definitions>
+    <inkml:context xml:id="ctx0">
+      <inkml:inkSource xml:id="inkSrc0">
+        <inkml:traceFormat>
+          <inkml:channel name="X" type="integer" min="-2.14748E9" max="2.14748E9" units="cm"/>
+          <inkml:channel name="Y" type="integer" min="-2.14748E9" max="2.14748E9" units="cm"/>
+          <inkml:channel name="F" type="integer" max="32767" units="dev"/>
+        </inkml:traceFormat>
+        <inkml:channelProperties>
+          <inkml:channelProperty channel="X" name="resolution" value="1000" units="1/cm"/>
+          <inkml:channelProperty channel="Y" name="resolution" value="1000" units="1/cm"/>
+          <inkml:channelProperty channel="F" name="resolution" value="0" units="1/dev"/>
+        </inkml:channelProperties>
+      </inkml:inkSource>
+      <inkml:timestamp xml:id="ts0" timeString="2024-12-07T06:44:07.275"/>
+    </inkml:context>
+    <inkml:brush xml:id="br0">
+      <inkml:brushProperty name="width" value="0.35" units="cm"/>
+      <inkml:brushProperty name="height" value="0.35" units="cm"/>
+      <inkml:brushProperty name="color" value="#FFFFFF"/>
+    </inkml:brush>
+  </inkml:definitions>
+  <inkml:trace contextRef="#ctx0" brushRef="#br0">530 490 24575,'11'-1'0,"0"-1"0,1-1 0,-1 1 0,0-2 0,-1 0 0,1 0 0,-1-1 0,13-7 0,1 0 0,-21 10 0,0 1 0,0-1 0,0 0 0,0 1 0,0-1 0,0-1 0,-1 1 0,1 0 0,-1-1 0,1 1 0,-1-1 0,0 0 0,0 1 0,0-1 0,0 0 0,-1 0 0,1-1 0,-1 1 0,0 0 0,0 0 0,0-1 0,0 1 0,-1-1 0,1 1 0,-1 0 0,0-1 0,0-6 0,-1 6 0,0-1 0,0 0 0,-1 0 0,1 0 0,-1 1 0,0-1 0,-1 1 0,1-1 0,-1 1 0,1 0 0,-1 0 0,-1 0 0,1 1 0,0-1 0,-1 1 0,0-1 0,0 1 0,-7-4 0,0 1 0,-1 0 0,1 1 0,-1 1 0,0 0 0,0 1 0,0 0 0,0 1 0,-18-2 0,-14 2 0,-46 4 0,34 0 0,34-1 0,1 0 0,0 2 0,0 0 0,0 1 0,0 2 0,-23 8 0,37-12 0,1 0 0,0 1 0,0 0 0,0 0 0,0 1 0,0-1 0,1 1 0,-1 1 0,1-1 0,0 1 0,1 0 0,-1 0 0,1 0 0,0 0 0,0 1 0,1 0 0,-1 0 0,1 0 0,1 0 0,-1 0 0,1 0 0,0 1 0,-1 8 0,2-13 0,1 1 0,0-1 0,0 0 0,0 0 0,0 1 0,0-1 0,1 0 0,-1 0 0,1 0 0,-1 1 0,1-1 0,0 0 0,0 0 0,0 0 0,0 0 0,0 0 0,0 0 0,1-1 0,-1 1 0,1 0 0,1 1 0,1 0 0,-1 0 0,1-1 0,0 0 0,0 0 0,0 0 0,0 0 0,0 0 0,1-1 0,-1 0 0,6 1 0,0 0 0,1-1 0,0-1 0,0 1 0,-1-2 0,1 1 0,0-2 0,-1 1 0,15-5 0,-25 6 0,1 0 0,0 0 0,0 0 0,0 0 0,0-1 0,-1 1 0,1 0 0,0-1 0,0 1 0,-1 0 0,1-1 0,0 1 0,-1-1 0,1 1 0,0-1 0,-1 1 0,1-1 0,-1 1 0,1-1 0,-1 0 0,1 1 0,-1-1 0,1 0 0,0-1 0,-2 2 0,1-1 0,-1 0 0,1 1 0,-1-1 0,1 1 0,-1-1 0,0 1 0,1-1 0,-1 1 0,0-1 0,1 1 0,-1-1 0,0 1 0,0 0 0,1-1 0,-1 1 0,0 0 0,-1 0 0,-43-8 0,37 8 0,-1 1 0,1-1 0,-1 2 0,1-1 0,0 1 0,0 0 0,0 1 0,0 0 0,0 0 0,0 0 0,1 1 0,-1 1 0,1-1 0,0 1 0,0 0 0,1 1 0,0-1 0,0 1 0,0 1 0,1-1 0,0 1 0,0 0 0,0 0 0,1 0 0,0 1 0,1 0 0,-1-1 0,1 1 0,1 0 0,0 1 0,0-1 0,0 0 0,0 13 0,1-13 0,1 0 0,-1 0 0,1 0 0,0 1 0,1-1 0,0 0 0,1 0 0,-1 0 0,1 0 0,1 0 0,0-1 0,0 1 0,0-1 0,1 1 0,0-1 0,0 0 0,1-1 0,0 1 0,0-1 0,1 0 0,-1 0 0,1 0 0,1-1 0,-1 0 0,1 0 0,11 5 0,4 3 0,0-1 0,1-2 0,0 0 0,1-2 0,0 0 0,1-1 0,0-2 0,-1-1 0,2 0 0,42-1 0,2483-7 0,-1415 6 0,-1119-3 0,-1 0 0,1-1 0,-1-1 0,0 0 0,1-1 0,-2-1 0,1 0 0,27-14 0,-39 16 0,0 0 0,-1 0 0,1 0 0,-1-1 0,0 1 0,0-1 0,0 1 0,0-1 0,-1 0 0,1 0 0,-1 0 0,0-1 0,0 1 0,-1 0 0,0-1 0,1 1 0,-1-1 0,-1 0 0,2-6 0,-1-14 0,0 1 0,-4-39 0,1 24 0,-1-14 0,1 12 0,5-75 0,-2 105 0,1 0 0,0-1 0,1 1 0,0 0 0,0 0 0,2 1 0,-1-1 0,1 1 0,0 0 0,1 0 0,9-11 0,-2 3 0,-1 0 0,13-26 0,-20 33 0,1-1 0,0 1 0,1 0 0,1 1 0,-1 0 0,1 0 0,1 1 0,0-1 0,19-14 0,-6 10 0,-11 6 0,1 0 0,-1 1 0,1 1 0,1 0 0,-1 0 0,14-3 0,-23 8 0,-1 1 0,1-1 0,0 1 0,0 0 0,-1 0 0,1 0 0,0 0 0,0 0 0,-1 1 0,1-1 0,0 1 0,-1 0 0,1 0 0,4 2 0,-4-1 0,0 0 0,0 0 0,-1 1 0,1-1 0,-1 1 0,1-1 0,-1 1 0,0 0 0,0 0 0,0 0 0,-1 0 0,1 0 0,-1 1 0,2 4 0,2 12 0,-1 0 0,-1 0 0,-1 0 0,0 0 0,-2 1 0,0-1 0,-4 23 0,1 12 0,4 71 0,-5 71 0,4-189 0,-1 0 0,0-1 0,-1 1 0,0 0 0,0 0 0,-1-1 0,0 1 0,0-1 0,-1 0 0,0 0 0,0 0 0,0-1 0,-1 1 0,0-1 0,-1 0 0,1 0 0,-7 4 0,-40 40 0,39-37 0,0 0 0,-1 0 0,0-2 0,-18 12 0,12-11 0,-5 3 0,-1 0 0,-34 13 0,54-25 0,-1-1 0,1 0 0,0 0 0,-1-1 0,1 0 0,-1 0 0,0 0 0,1-1 0,-1 0 0,0 0 0,1 0 0,-1-1 0,0 0 0,1-1 0,-12-3 0,15 3 0,0 0 0,0 0 0,0 0 0,0 0 0,0-1 0,0 1 0,1-1 0,-1 0 0,1 0 0,0 0 0,-1 0 0,1 0 0,1-1 0,-1 1 0,0 0 0,1-1 0,0 1 0,0-1 0,0 0 0,0 1 0,0-5 0,-1-10 0,1-1 0,0 1 0,2-20 0,0 15 0,3-402 0,-5 412 0,0 0 0,-1 0 0,-4-15 0,-2-9 0,8 35 0,0 0 0,0 0 0,0 1 0,0-1 0,0 0 0,0 0 0,0 1 0,0-1 0,1 0 0,-1 1 0,0-1 0,1 0 0,0 1 0,-1-1 0,1 1 0,0-1 0,0 1 0,0-1 0,0 1 0,0-1 0,0 1 0,0 0 0,1 0 0,-1 0 0,0-1 0,1 1 0,-1 0 0,1 1 0,-1-1 0,1 0 0,-1 0 0,1 1 0,3-2 0,3 0 0,1 0 0,-1 1 0,1 0 0,0 0 0,10 1 0,-406 5 0,-296-5 0,665 1 0,0 1 0,0 1 0,0 0 0,0 2 0,0 0 0,-21 9 0,-10 3 0,31-12 0,-1-2 0,-1 0 0,1-1 0,-37 0 0,35-3 0,-1 2 0,1 0 0,-37 9 0,26-3 0,0-1 0,-1-2 0,-35 1 0,-101-7 0,57 0 0,-817 2 0,896-2 0,0-2 0,-54-12 0,55 9 0,-24-7 0,36 9 0,0 0 0,-41-4 0,60 9 0,-26-2 0,-1 1 0,1 1 0,-1 2 0,-40 7 0,61-8 0,1 1 0,-1 0 0,0 0 0,1 0 0,0 1 0,-1 0 0,1 1 0,1-1 0,-1 1 0,0 0 0,1 1 0,0-1 0,0 1 0,0 0 0,0 0 0,1 1 0,0-1 0,0 1 0,1 0 0,-1 0 0,1 0 0,1 0 0,-4 10 0,4-7 0,-1-1 0,1 1 0,1 0 0,0-1 0,0 1 0,1 0 0,0 0 0,2 14 0,-1-17 0,0 0 0,1 0 0,0 0 0,0 0 0,1-1 0,-1 1 0,1-1 0,0 0 0,1 1 0,-1-1 0,1-1 0,0 1 0,5 4 0,5 4 0,1 0 0,0-1 0,0 0 0,1-2 0,1 0 0,-1 0 0,2-2 0,34 13 0,-4-5 0,79 38 0,-115-48 0,1-1 0,0-1 0,0 0 0,1-1 0,-1-1 0,1 0 0,13 1 0,101-5 0,-60-1 0,528 3 0,-569 1 0,0 2 0,38 8 0,-34-5 0,41 3 0,384-6 0,-235-5 0,274 2 0,-477-2 0,0 0 0,1-2 0,-1 0 0,-1 0 0,1-2 0,-1 0 0,23-12 0,-20 9 0,0 0 0,0 2 0,1 1 0,-1 0 0,26-3 0,-1 6 0,-25 3 0,-1-2 0,36-7 0,-41 6 0,-5 1 0,0 0 0,0 0 0,0-1 0,11-5 0,-19 8 0,0-1 0,0 1 0,0 0 0,0-1 0,0 0 0,0 1 0,0-1 0,-1 1 0,1-1 0,0 0 0,0 0 0,-1 0 0,1 1 0,0-1 0,-1 0 0,1 0 0,-1 0 0,1 0 0,-1 0 0,1 0 0,-1 0 0,0 0 0,1 0 0,-1 0 0,0 0 0,0 0 0,0 0 0,0 0 0,0 0 0,0-1 0,0 1 0,0 0 0,-1 0 0,1 0 0,0 0 0,0 0 0,-1 0 0,1 0 0,-1 0 0,1 0 0,-1 0 0,1 1 0,-1-1 0,-1-2 0,-2-1 0,0 1 0,0-1 0,0 0 0,0 1 0,-1 0 0,1 0 0,-1 0 0,0 1 0,1-1 0,-1 1 0,-1 0 0,1 1 0,0-1 0,-7 0 0,-12-2 0,-43-2 0,62 5 0,-329 0 0,151 4 0,-901-3-1365</inkml:trace>
+</inkml:ink>
 </file>
 
 <file path=ppt/notesMasters/notesMaster1.xml><?xml version="1.0" encoding="utf-8"?>
@@ -348,90 +597,6 @@
 </p:notes>
 </file>
 
-<file path=ppt/notesSlides/notesSlide10.xml><?xml version="1.0" encoding="utf-8"?>
-<p:notes xmlns:a="http://schemas.openxmlformats.org/drawingml/2006/main" xmlns:r="http://schemas.openxmlformats.org/officeDocument/2006/relationships" xmlns:p="http://schemas.openxmlformats.org/presentationml/2006/main">
-  <p:cSld>
-    <p:spTree>
-      <p:nvGrpSpPr>
-        <p:cNvPr id="1" name=""/>
-        <p:cNvGrpSpPr/>
-        <p:nvPr/>
-      </p:nvGrpSpPr>
-      <p:grpSpPr>
-        <a:xfrm>
-          <a:off x="0" y="0"/>
-          <a:ext cx="0" cy="0"/>
-          <a:chOff x="0" y="0"/>
-          <a:chExt cx="0" cy="0"/>
-        </a:xfrm>
-      </p:grpSpPr>
-      <p:sp>
-        <p:nvSpPr>
-          <p:cNvPr id="2" name="Slide Image Placeholder 1"/>
-          <p:cNvSpPr>
-            <a:spLocks noGrp="1" noRot="1" noChangeAspect="1"/>
-          </p:cNvSpPr>
-          <p:nvPr>
-            <p:ph type="sldImg"/>
-          </p:nvPr>
-        </p:nvSpPr>
-        <p:spPr/>
-      </p:sp>
-      <p:sp>
-        <p:nvSpPr>
-          <p:cNvPr id="3" name="Notes Placeholder 2"/>
-          <p:cNvSpPr>
-            <a:spLocks noGrp="1"/>
-          </p:cNvSpPr>
-          <p:nvPr>
-            <p:ph type="body" idx="1"/>
-          </p:nvPr>
-        </p:nvSpPr>
-        <p:spPr/>
-        <p:txBody>
-          <a:bodyPr/>
-          <a:lstStyle/>
-          <a:p>
-            <a:endParaRPr lang="en-US" dirty="0"/>
-          </a:p>
-        </p:txBody>
-      </p:sp>
-      <p:sp>
-        <p:nvSpPr>
-          <p:cNvPr id="4" name="Slide Number Placeholder 3"/>
-          <p:cNvSpPr>
-            <a:spLocks noGrp="1"/>
-          </p:cNvSpPr>
-          <p:nvPr>
-            <p:ph type="sldNum" sz="quarter" idx="10"/>
-          </p:nvPr>
-        </p:nvSpPr>
-        <p:spPr/>
-        <p:txBody>
-          <a:bodyPr/>
-          <a:lstStyle/>
-          <a:p>
-            <a:fld id="{F7021451-1387-4CA6-816F-3879F97B5CBC}" type="slidenum">
-              <a:rPr lang="en-US"/>
-              <a:t>10</a:t>
-            </a:fld>
-            <a:endParaRPr lang="en-US"/>
-          </a:p>
-        </p:txBody>
-      </p:sp>
-    </p:spTree>
-    <p:extLst>
-      <p:ext uri="{BB962C8B-B14F-4D97-AF65-F5344CB8AC3E}">
-        <p14:creationId xmlns:p14="http://schemas.microsoft.com/office/powerpoint/2010/main" val="1024086991"/>
-      </p:ext>
-    </p:extLst>
-  </p:cSld>
-  <p:clrMapOvr>
-    <a:masterClrMapping/>
-  </p:clrMapOvr>
-</p:notes>
-</file>
-
 <file path=ppt/notesSlides/notesSlide2.xml><?xml version="1.0" encoding="utf-8"?>
 <p:notes xmlns:a="http://schemas.openxmlformats.org/drawingml/2006/main" xmlns:r="http://schemas.openxmlformats.org/officeDocument/2006/relationships" xmlns:p="http://schemas.openxmlformats.org/presentationml/2006/main">
   <p:cSld>
@@ -918,174 +1083,6 @@
             <a:fld id="{F7021451-1387-4CA6-816F-3879F97B5CBC}" type="slidenum">
               <a:rPr lang="en-US"/>
               <a:t>7</a:t>
-            </a:fld>
-            <a:endParaRPr lang="en-US"/>
-          </a:p>
-        </p:txBody>
-      </p:sp>
-    </p:spTree>
-    <p:extLst>
-      <p:ext uri="{BB962C8B-B14F-4D97-AF65-F5344CB8AC3E}">
-        <p14:creationId xmlns:p14="http://schemas.microsoft.com/office/powerpoint/2010/main" val="1024086991"/>
-      </p:ext>
-    </p:extLst>
-  </p:cSld>
-  <p:clrMapOvr>
-    <a:masterClrMapping/>
-  </p:clrMapOvr>
-</p:notes>
-</file>
-
-<file path=ppt/notesSlides/notesSlide8.xml><?xml version="1.0" encoding="utf-8"?>
-<p:notes xmlns:a="http://schemas.openxmlformats.org/drawingml/2006/main" xmlns:r="http://schemas.openxmlformats.org/officeDocument/2006/relationships" xmlns:p="http://schemas.openxmlformats.org/presentationml/2006/main">
-  <p:cSld>
-    <p:spTree>
-      <p:nvGrpSpPr>
-        <p:cNvPr id="1" name=""/>
-        <p:cNvGrpSpPr/>
-        <p:nvPr/>
-      </p:nvGrpSpPr>
-      <p:grpSpPr>
-        <a:xfrm>
-          <a:off x="0" y="0"/>
-          <a:ext cx="0" cy="0"/>
-          <a:chOff x="0" y="0"/>
-          <a:chExt cx="0" cy="0"/>
-        </a:xfrm>
-      </p:grpSpPr>
-      <p:sp>
-        <p:nvSpPr>
-          <p:cNvPr id="2" name="Slide Image Placeholder 1"/>
-          <p:cNvSpPr>
-            <a:spLocks noGrp="1" noRot="1" noChangeAspect="1"/>
-          </p:cNvSpPr>
-          <p:nvPr>
-            <p:ph type="sldImg"/>
-          </p:nvPr>
-        </p:nvSpPr>
-        <p:spPr/>
-      </p:sp>
-      <p:sp>
-        <p:nvSpPr>
-          <p:cNvPr id="3" name="Notes Placeholder 2"/>
-          <p:cNvSpPr>
-            <a:spLocks noGrp="1"/>
-          </p:cNvSpPr>
-          <p:nvPr>
-            <p:ph type="body" idx="1"/>
-          </p:nvPr>
-        </p:nvSpPr>
-        <p:spPr/>
-        <p:txBody>
-          <a:bodyPr/>
-          <a:lstStyle/>
-          <a:p>
-            <a:endParaRPr lang="en-US" dirty="0"/>
-          </a:p>
-        </p:txBody>
-      </p:sp>
-      <p:sp>
-        <p:nvSpPr>
-          <p:cNvPr id="4" name="Slide Number Placeholder 3"/>
-          <p:cNvSpPr>
-            <a:spLocks noGrp="1"/>
-          </p:cNvSpPr>
-          <p:nvPr>
-            <p:ph type="sldNum" sz="quarter" idx="10"/>
-          </p:nvPr>
-        </p:nvSpPr>
-        <p:spPr/>
-        <p:txBody>
-          <a:bodyPr/>
-          <a:lstStyle/>
-          <a:p>
-            <a:fld id="{F7021451-1387-4CA6-816F-3879F97B5CBC}" type="slidenum">
-              <a:rPr lang="en-US"/>
-              <a:t>8</a:t>
-            </a:fld>
-            <a:endParaRPr lang="en-US"/>
-          </a:p>
-        </p:txBody>
-      </p:sp>
-    </p:spTree>
-    <p:extLst>
-      <p:ext uri="{BB962C8B-B14F-4D97-AF65-F5344CB8AC3E}">
-        <p14:creationId xmlns:p14="http://schemas.microsoft.com/office/powerpoint/2010/main" val="1024086991"/>
-      </p:ext>
-    </p:extLst>
-  </p:cSld>
-  <p:clrMapOvr>
-    <a:masterClrMapping/>
-  </p:clrMapOvr>
-</p:notes>
-</file>
-
-<file path=ppt/notesSlides/notesSlide9.xml><?xml version="1.0" encoding="utf-8"?>
-<p:notes xmlns:a="http://schemas.openxmlformats.org/drawingml/2006/main" xmlns:r="http://schemas.openxmlformats.org/officeDocument/2006/relationships" xmlns:p="http://schemas.openxmlformats.org/presentationml/2006/main">
-  <p:cSld>
-    <p:spTree>
-      <p:nvGrpSpPr>
-        <p:cNvPr id="1" name=""/>
-        <p:cNvGrpSpPr/>
-        <p:nvPr/>
-      </p:nvGrpSpPr>
-      <p:grpSpPr>
-        <a:xfrm>
-          <a:off x="0" y="0"/>
-          <a:ext cx="0" cy="0"/>
-          <a:chOff x="0" y="0"/>
-          <a:chExt cx="0" cy="0"/>
-        </a:xfrm>
-      </p:grpSpPr>
-      <p:sp>
-        <p:nvSpPr>
-          <p:cNvPr id="2" name="Slide Image Placeholder 1"/>
-          <p:cNvSpPr>
-            <a:spLocks noGrp="1" noRot="1" noChangeAspect="1"/>
-          </p:cNvSpPr>
-          <p:nvPr>
-            <p:ph type="sldImg"/>
-          </p:nvPr>
-        </p:nvSpPr>
-        <p:spPr/>
-      </p:sp>
-      <p:sp>
-        <p:nvSpPr>
-          <p:cNvPr id="3" name="Notes Placeholder 2"/>
-          <p:cNvSpPr>
-            <a:spLocks noGrp="1"/>
-          </p:cNvSpPr>
-          <p:nvPr>
-            <p:ph type="body" idx="1"/>
-          </p:nvPr>
-        </p:nvSpPr>
-        <p:spPr/>
-        <p:txBody>
-          <a:bodyPr/>
-          <a:lstStyle/>
-          <a:p>
-            <a:endParaRPr lang="en-US" dirty="0"/>
-          </a:p>
-        </p:txBody>
-      </p:sp>
-      <p:sp>
-        <p:nvSpPr>
-          <p:cNvPr id="4" name="Slide Number Placeholder 3"/>
-          <p:cNvSpPr>
-            <a:spLocks noGrp="1"/>
-          </p:cNvSpPr>
-          <p:nvPr>
-            <p:ph type="sldNum" sz="quarter" idx="10"/>
-          </p:nvPr>
-        </p:nvSpPr>
-        <p:spPr/>
-        <p:txBody>
-          <a:bodyPr/>
-          <a:lstStyle/>
-          <a:p>
-            <a:fld id="{F7021451-1387-4CA6-816F-3879F97B5CBC}" type="slidenum">
-              <a:rPr lang="en-US"/>
-              <a:t>9</a:t>
             </a:fld>
             <a:endParaRPr lang="en-US"/>
           </a:p>
@@ -2586,475 +2583,6 @@
 </p:sld>
 </file>
 
-<file path=ppt/slides/slide10.xml><?xml version="1.0" encoding="utf-8"?>
-<p:sld xmlns:a="http://schemas.openxmlformats.org/drawingml/2006/main" xmlns:r="http://schemas.openxmlformats.org/officeDocument/2006/relationships" xmlns:p="http://schemas.openxmlformats.org/presentationml/2006/main">
-  <p:cSld name="Slide 10">
-    <p:spTree>
-      <p:nvGrpSpPr>
-        <p:cNvPr id="1" name=""/>
-        <p:cNvGrpSpPr/>
-        <p:nvPr/>
-      </p:nvGrpSpPr>
-      <p:grpSpPr>
-        <a:xfrm>
-          <a:off x="0" y="0"/>
-          <a:ext cx="0" cy="0"/>
-          <a:chOff x="0" y="0"/>
-          <a:chExt cx="0" cy="0"/>
-        </a:xfrm>
-      </p:grpSpPr>
-      <p:pic>
-        <p:nvPicPr>
-          <p:cNvPr id="2" name="Image 0" descr="preencoded.png"/>
-          <p:cNvPicPr>
-            <a:picLocks noChangeAspect="1"/>
-          </p:cNvPicPr>
-          <p:nvPr/>
-        </p:nvPicPr>
-        <p:blipFill>
-          <a:blip r:embed="rId3"/>
-          <a:stretch>
-            <a:fillRect/>
-          </a:stretch>
-        </p:blipFill>
-        <p:spPr>
-          <a:xfrm>
-            <a:off x="0" y="0"/>
-            <a:ext cx="5486400" cy="8229600"/>
-          </a:xfrm>
-          <a:prstGeom prst="rect">
-            <a:avLst/>
-          </a:prstGeom>
-        </p:spPr>
-      </p:pic>
-      <p:sp>
-        <p:nvSpPr>
-          <p:cNvPr id="3" name="Text 0"/>
-          <p:cNvSpPr/>
-          <p:nvPr/>
-        </p:nvSpPr>
-        <p:spPr>
-          <a:xfrm>
-            <a:off x="6056828" y="964882"/>
-            <a:ext cx="7363539" cy="509230"/>
-          </a:xfrm>
-          <a:prstGeom prst="rect">
-            <a:avLst/>
-          </a:prstGeom>
-          <a:noFill/>
-          <a:ln/>
-        </p:spPr>
-        <p:txBody>
-          <a:bodyPr wrap="none" lIns="0" tIns="0" rIns="0" bIns="0" rtlCol="0" anchor="t"/>
-          <a:lstStyle/>
-          <a:p>
-            <a:pPr marL="0" indent="0">
-              <a:lnSpc>
-                <a:spcPts val="4000"/>
-              </a:lnSpc>
-              <a:buNone/>
-            </a:pPr>
-            <a:r>
-              <a:rPr lang="en-US" sz="3200" dirty="0">
-                <a:solidFill>
-                  <a:srgbClr val="124E73"/>
-                </a:solidFill>
-                <a:latin typeface="MuseoModerno Medium" pitchFamily="34" charset="0"/>
-                <a:ea typeface="MuseoModerno Medium" pitchFamily="34" charset="-122"/>
-                <a:cs typeface="MuseoModerno Medium" pitchFamily="34" charset="-120"/>
-              </a:rPr>
-              <a:t>Conclusion and Future Enhancements</a:t>
-            </a:r>
-            <a:endParaRPr lang="en-US" sz="3200" dirty="0"/>
-          </a:p>
-        </p:txBody>
-      </p:sp>
-      <p:sp>
-        <p:nvSpPr>
-          <p:cNvPr id="4" name="Text 1"/>
-          <p:cNvSpPr/>
-          <p:nvPr/>
-        </p:nvSpPr>
-        <p:spPr>
-          <a:xfrm>
-            <a:off x="6056828" y="1799987"/>
-            <a:ext cx="8003143" cy="537805"/>
-          </a:xfrm>
-          <a:prstGeom prst="rect">
-            <a:avLst/>
-          </a:prstGeom>
-          <a:noFill/>
-          <a:ln/>
-        </p:spPr>
-        <p:txBody>
-          <a:bodyPr wrap="none" lIns="0" tIns="0" rIns="0" bIns="0" rtlCol="0" anchor="t"/>
-          <a:lstStyle/>
-          <a:p>
-            <a:pPr marL="0" indent="0" algn="ctr">
-              <a:lnSpc>
-                <a:spcPts val="4200"/>
-              </a:lnSpc>
-              <a:buNone/>
-            </a:pPr>
-            <a:r>
-              <a:rPr lang="en-US" sz="4200" dirty="0">
-                <a:solidFill>
-                  <a:srgbClr val="2B4150"/>
-                </a:solidFill>
-                <a:latin typeface="MuseoModerno Medium" pitchFamily="34" charset="0"/>
-                <a:ea typeface="MuseoModerno Medium" pitchFamily="34" charset="-122"/>
-                <a:cs typeface="MuseoModerno Medium" pitchFamily="34" charset="-120"/>
-              </a:rPr>
-              <a:t>1</a:t>
-            </a:r>
-            <a:endParaRPr lang="en-US" sz="4200" dirty="0"/>
-          </a:p>
-        </p:txBody>
-      </p:sp>
-      <p:sp>
-        <p:nvSpPr>
-          <p:cNvPr id="5" name="Text 2"/>
-          <p:cNvSpPr/>
-          <p:nvPr/>
-        </p:nvSpPr>
-        <p:spPr>
-          <a:xfrm>
-            <a:off x="9039701" y="2541389"/>
-            <a:ext cx="2037278" cy="254556"/>
-          </a:xfrm>
-          <a:prstGeom prst="rect">
-            <a:avLst/>
-          </a:prstGeom>
-          <a:noFill/>
-          <a:ln/>
-        </p:spPr>
-        <p:txBody>
-          <a:bodyPr wrap="none" lIns="0" tIns="0" rIns="0" bIns="0" rtlCol="0" anchor="t"/>
-          <a:lstStyle/>
-          <a:p>
-            <a:pPr marL="0" indent="0" algn="ctr">
-              <a:lnSpc>
-                <a:spcPts val="2000"/>
-              </a:lnSpc>
-              <a:buNone/>
-            </a:pPr>
-            <a:r>
-              <a:rPr lang="en-US" sz="1600" dirty="0">
-                <a:solidFill>
-                  <a:srgbClr val="2B4150"/>
-                </a:solidFill>
-                <a:latin typeface="MuseoModerno Medium" pitchFamily="34" charset="0"/>
-                <a:ea typeface="MuseoModerno Medium" pitchFamily="34" charset="-122"/>
-                <a:cs typeface="MuseoModerno Medium" pitchFamily="34" charset="-120"/>
-              </a:rPr>
-              <a:t>Key Takeaways</a:t>
-            </a:r>
-            <a:endParaRPr lang="en-US" sz="1600" dirty="0"/>
-          </a:p>
-        </p:txBody>
-      </p:sp>
-      <p:sp>
-        <p:nvSpPr>
-          <p:cNvPr id="6" name="Text 3"/>
-          <p:cNvSpPr/>
-          <p:nvPr/>
-        </p:nvSpPr>
-        <p:spPr>
-          <a:xfrm>
-            <a:off x="6056828" y="2893695"/>
-            <a:ext cx="8003143" cy="521494"/>
-          </a:xfrm>
-          <a:prstGeom prst="rect">
-            <a:avLst/>
-          </a:prstGeom>
-          <a:noFill/>
-          <a:ln/>
-        </p:spPr>
-        <p:txBody>
-          <a:bodyPr wrap="square" lIns="0" tIns="0" rIns="0" bIns="0" rtlCol="0" anchor="t"/>
-          <a:lstStyle/>
-          <a:p>
-            <a:pPr marL="0" indent="0" algn="ctr">
-              <a:lnSpc>
-                <a:spcPts val="2050"/>
-              </a:lnSpc>
-              <a:buNone/>
-            </a:pPr>
-            <a:r>
-              <a:rPr lang="en-US" sz="1250" dirty="0">
-                <a:solidFill>
-                  <a:srgbClr val="2B4150"/>
-                </a:solidFill>
-                <a:latin typeface="Source Sans Pro" pitchFamily="34" charset="0"/>
-                <a:ea typeface="Source Sans Pro" pitchFamily="34" charset="-122"/>
-                <a:cs typeface="Source Sans Pro" pitchFamily="34" charset="-120"/>
-              </a:rPr>
-              <a:t>The MERN Chat App demonstrates the effectiveness of the MERN stack and Socket.IO for building real-time communication applications.</a:t>
-            </a:r>
-            <a:endParaRPr lang="en-US" sz="1250" dirty="0"/>
-          </a:p>
-        </p:txBody>
-      </p:sp>
-      <p:sp>
-        <p:nvSpPr>
-          <p:cNvPr id="7" name="Text 4"/>
-          <p:cNvSpPr/>
-          <p:nvPr/>
-        </p:nvSpPr>
-        <p:spPr>
-          <a:xfrm>
-            <a:off x="6056828" y="3985498"/>
-            <a:ext cx="8003143" cy="537805"/>
-          </a:xfrm>
-          <a:prstGeom prst="rect">
-            <a:avLst/>
-          </a:prstGeom>
-          <a:noFill/>
-          <a:ln/>
-        </p:spPr>
-        <p:txBody>
-          <a:bodyPr wrap="none" lIns="0" tIns="0" rIns="0" bIns="0" rtlCol="0" anchor="t"/>
-          <a:lstStyle/>
-          <a:p>
-            <a:pPr marL="0" indent="0" algn="ctr">
-              <a:lnSpc>
-                <a:spcPts val="4200"/>
-              </a:lnSpc>
-              <a:buNone/>
-            </a:pPr>
-            <a:r>
-              <a:rPr lang="en-US" sz="4200" dirty="0">
-                <a:solidFill>
-                  <a:srgbClr val="2B4150"/>
-                </a:solidFill>
-                <a:latin typeface="MuseoModerno Medium" pitchFamily="34" charset="0"/>
-                <a:ea typeface="MuseoModerno Medium" pitchFamily="34" charset="-122"/>
-                <a:cs typeface="MuseoModerno Medium" pitchFamily="34" charset="-120"/>
-              </a:rPr>
-              <a:t>2</a:t>
-            </a:r>
-            <a:endParaRPr lang="en-US" sz="4200" dirty="0"/>
-          </a:p>
-        </p:txBody>
-      </p:sp>
-      <p:sp>
-        <p:nvSpPr>
-          <p:cNvPr id="8" name="Text 5"/>
-          <p:cNvSpPr/>
-          <p:nvPr/>
-        </p:nvSpPr>
-        <p:spPr>
-          <a:xfrm>
-            <a:off x="8984694" y="4726900"/>
-            <a:ext cx="2147411" cy="254556"/>
-          </a:xfrm>
-          <a:prstGeom prst="rect">
-            <a:avLst/>
-          </a:prstGeom>
-          <a:noFill/>
-          <a:ln/>
-        </p:spPr>
-        <p:txBody>
-          <a:bodyPr wrap="none" lIns="0" tIns="0" rIns="0" bIns="0" rtlCol="0" anchor="t"/>
-          <a:lstStyle/>
-          <a:p>
-            <a:pPr marL="0" indent="0" algn="ctr">
-              <a:lnSpc>
-                <a:spcPts val="2000"/>
-              </a:lnSpc>
-              <a:buNone/>
-            </a:pPr>
-            <a:r>
-              <a:rPr lang="en-US" sz="1600" dirty="0">
-                <a:solidFill>
-                  <a:srgbClr val="2B4150"/>
-                </a:solidFill>
-                <a:latin typeface="MuseoModerno Medium" pitchFamily="34" charset="0"/>
-                <a:ea typeface="MuseoModerno Medium" pitchFamily="34" charset="-122"/>
-                <a:cs typeface="MuseoModerno Medium" pitchFamily="34" charset="-120"/>
-              </a:rPr>
-              <a:t>Future Enhancements</a:t>
-            </a:r>
-            <a:endParaRPr lang="en-US" sz="1600" dirty="0"/>
-          </a:p>
-        </p:txBody>
-      </p:sp>
-      <p:sp>
-        <p:nvSpPr>
-          <p:cNvPr id="9" name="Text 6"/>
-          <p:cNvSpPr/>
-          <p:nvPr/>
-        </p:nvSpPr>
-        <p:spPr>
-          <a:xfrm>
-            <a:off x="6056828" y="5079206"/>
-            <a:ext cx="8003143" cy="260747"/>
-          </a:xfrm>
-          <a:prstGeom prst="rect">
-            <a:avLst/>
-          </a:prstGeom>
-          <a:noFill/>
-          <a:ln/>
-        </p:spPr>
-        <p:txBody>
-          <a:bodyPr wrap="none" lIns="0" tIns="0" rIns="0" bIns="0" rtlCol="0" anchor="t"/>
-          <a:lstStyle/>
-          <a:p>
-            <a:pPr marL="0" indent="0" algn="ctr">
-              <a:lnSpc>
-                <a:spcPts val="2050"/>
-              </a:lnSpc>
-              <a:buNone/>
-            </a:pPr>
-            <a:r>
-              <a:rPr lang="en-US" sz="1250" dirty="0">
-                <a:solidFill>
-                  <a:srgbClr val="2B4150"/>
-                </a:solidFill>
-                <a:latin typeface="Source Sans Pro" pitchFamily="34" charset="0"/>
-                <a:ea typeface="Source Sans Pro" pitchFamily="34" charset="-122"/>
-                <a:cs typeface="Source Sans Pro" pitchFamily="34" charset="-120"/>
-              </a:rPr>
-              <a:t>We can expand the app with group chat functionality, voice/video calling, and advanced features like file sharing.</a:t>
-            </a:r>
-            <a:endParaRPr lang="en-US" sz="1250" dirty="0"/>
-          </a:p>
-        </p:txBody>
-      </p:sp>
-      <p:sp>
-        <p:nvSpPr>
-          <p:cNvPr id="10" name="Text 7"/>
-          <p:cNvSpPr/>
-          <p:nvPr/>
-        </p:nvSpPr>
-        <p:spPr>
-          <a:xfrm>
-            <a:off x="6056828" y="5910263"/>
-            <a:ext cx="8003143" cy="537805"/>
-          </a:xfrm>
-          <a:prstGeom prst="rect">
-            <a:avLst/>
-          </a:prstGeom>
-          <a:noFill/>
-          <a:ln/>
-        </p:spPr>
-        <p:txBody>
-          <a:bodyPr wrap="none" lIns="0" tIns="0" rIns="0" bIns="0" rtlCol="0" anchor="t"/>
-          <a:lstStyle/>
-          <a:p>
-            <a:pPr marL="0" indent="0" algn="ctr">
-              <a:lnSpc>
-                <a:spcPts val="4200"/>
-              </a:lnSpc>
-              <a:buNone/>
-            </a:pPr>
-            <a:r>
-              <a:rPr lang="en-US" sz="4200" dirty="0">
-                <a:solidFill>
-                  <a:srgbClr val="2B4150"/>
-                </a:solidFill>
-                <a:latin typeface="MuseoModerno Medium" pitchFamily="34" charset="0"/>
-                <a:ea typeface="MuseoModerno Medium" pitchFamily="34" charset="-122"/>
-                <a:cs typeface="MuseoModerno Medium" pitchFamily="34" charset="-120"/>
-              </a:rPr>
-              <a:t>3</a:t>
-            </a:r>
-            <a:endParaRPr lang="en-US" sz="4200" dirty="0"/>
-          </a:p>
-        </p:txBody>
-      </p:sp>
-      <p:sp>
-        <p:nvSpPr>
-          <p:cNvPr id="11" name="Text 8"/>
-          <p:cNvSpPr/>
-          <p:nvPr/>
-        </p:nvSpPr>
-        <p:spPr>
-          <a:xfrm>
-            <a:off x="9039701" y="6651665"/>
-            <a:ext cx="2037278" cy="254556"/>
-          </a:xfrm>
-          <a:prstGeom prst="rect">
-            <a:avLst/>
-          </a:prstGeom>
-          <a:noFill/>
-          <a:ln/>
-        </p:spPr>
-        <p:txBody>
-          <a:bodyPr wrap="none" lIns="0" tIns="0" rIns="0" bIns="0" rtlCol="0" anchor="t"/>
-          <a:lstStyle/>
-          <a:p>
-            <a:pPr marL="0" indent="0" algn="ctr">
-              <a:lnSpc>
-                <a:spcPts val="2000"/>
-              </a:lnSpc>
-              <a:buNone/>
-            </a:pPr>
-            <a:r>
-              <a:rPr lang="en-US" sz="1600" dirty="0">
-                <a:solidFill>
-                  <a:srgbClr val="2B4150"/>
-                </a:solidFill>
-                <a:latin typeface="MuseoModerno Medium" pitchFamily="34" charset="0"/>
-                <a:ea typeface="MuseoModerno Medium" pitchFamily="34" charset="-122"/>
-                <a:cs typeface="MuseoModerno Medium" pitchFamily="34" charset="-120"/>
-              </a:rPr>
-              <a:t>Next Steps</a:t>
-            </a:r>
-            <a:endParaRPr lang="en-US" sz="1600" dirty="0"/>
-          </a:p>
-        </p:txBody>
-      </p:sp>
-      <p:sp>
-        <p:nvSpPr>
-          <p:cNvPr id="12" name="Text 9"/>
-          <p:cNvSpPr/>
-          <p:nvPr/>
-        </p:nvSpPr>
-        <p:spPr>
-          <a:xfrm>
-            <a:off x="6056828" y="7003971"/>
-            <a:ext cx="8003143" cy="260747"/>
-          </a:xfrm>
-          <a:prstGeom prst="rect">
-            <a:avLst/>
-          </a:prstGeom>
-          <a:noFill/>
-          <a:ln/>
-        </p:spPr>
-        <p:txBody>
-          <a:bodyPr wrap="none" lIns="0" tIns="0" rIns="0" bIns="0" rtlCol="0" anchor="t"/>
-          <a:lstStyle/>
-          <a:p>
-            <a:pPr marL="0" indent="0" algn="ctr">
-              <a:lnSpc>
-                <a:spcPts val="2050"/>
-              </a:lnSpc>
-              <a:buNone/>
-            </a:pPr>
-            <a:r>
-              <a:rPr lang="en-US" sz="1250" dirty="0">
-                <a:solidFill>
-                  <a:srgbClr val="2B4150"/>
-                </a:solidFill>
-                <a:latin typeface="Source Sans Pro" pitchFamily="34" charset="0"/>
-                <a:ea typeface="Source Sans Pro" pitchFamily="34" charset="-122"/>
-                <a:cs typeface="Source Sans Pro" pitchFamily="34" charset="-120"/>
-              </a:rPr>
-              <a:t>Explore advanced security measures, user interface improvements, and integrating AI-powered features.</a:t>
-            </a:r>
-            <a:endParaRPr lang="en-US" sz="1250" dirty="0"/>
-          </a:p>
-        </p:txBody>
-      </p:sp>
-    </p:spTree>
-  </p:cSld>
-  <p:clrMapOvr>
-    <a:masterClrMapping/>
-  </p:clrMapOvr>
-</p:sld>
-</file>
-
 <file path=ppt/slides/slide2.xml><?xml version="1.0" encoding="utf-8"?>
 <p:sld xmlns:a="http://schemas.openxmlformats.org/drawingml/2006/main" xmlns:r="http://schemas.openxmlformats.org/officeDocument/2006/relationships" xmlns:p="http://schemas.openxmlformats.org/presentationml/2006/main">
   <p:cSld name="Slide 2">
@@ -3198,6 +2726,282 @@
           </a:p>
         </p:txBody>
       </p:sp>
+      <mc:AlternateContent xmlns:mc="http://schemas.openxmlformats.org/markup-compatibility/2006" xmlns:p14="http://schemas.microsoft.com/office/powerpoint/2010/main">
+        <mc:Choice Requires="p14">
+          <p:contentPart p14:bwMode="auto" r:id="rId3">
+            <p14:nvContentPartPr>
+              <p14:cNvPr id="7" name="Ink 6">
+                <a:extLst>
+                  <a:ext uri="{FF2B5EF4-FFF2-40B4-BE49-F238E27FC236}">
+                    <a16:creationId xmlns:a16="http://schemas.microsoft.com/office/drawing/2014/main" id="{86E2966A-3530-327D-CCCD-A4A52A60E57E}"/>
+                  </a:ext>
+                </a:extLst>
+              </p14:cNvPr>
+              <p14:cNvContentPartPr/>
+              <p14:nvPr/>
+            </p14:nvContentPartPr>
+            <p14:xfrm>
+              <a:off x="12825518" y="7632843"/>
+              <a:ext cx="1526400" cy="353880"/>
+            </p14:xfrm>
+          </p:contentPart>
+        </mc:Choice>
+        <mc:Fallback xmlns="">
+          <p:pic>
+            <p:nvPicPr>
+              <p:cNvPr id="7" name="Ink 6">
+                <a:extLst>
+                  <a:ext uri="{FF2B5EF4-FFF2-40B4-BE49-F238E27FC236}">
+                    <a16:creationId xmlns:a16="http://schemas.microsoft.com/office/drawing/2014/main" id="{86E2966A-3530-327D-CCCD-A4A52A60E57E}"/>
+                  </a:ext>
+                </a:extLst>
+              </p:cNvPr>
+              <p:cNvPicPr/>
+              <p:nvPr/>
+            </p:nvPicPr>
+            <p:blipFill>
+              <a:blip r:embed="rId4"/>
+              <a:stretch>
+                <a:fillRect/>
+              </a:stretch>
+            </p:blipFill>
+            <p:spPr>
+              <a:xfrm>
+                <a:off x="12762518" y="7569843"/>
+                <a:ext cx="1652040" cy="479520"/>
+              </a:xfrm>
+              <a:prstGeom prst="rect">
+                <a:avLst/>
+              </a:prstGeom>
+            </p:spPr>
+          </p:pic>
+        </mc:Fallback>
+      </mc:AlternateContent>
+      <mc:AlternateContent xmlns:mc="http://schemas.openxmlformats.org/markup-compatibility/2006" xmlns:p14="http://schemas.microsoft.com/office/powerpoint/2010/main">
+        <mc:Choice Requires="p14">
+          <p:contentPart p14:bwMode="auto" r:id="rId5">
+            <p14:nvContentPartPr>
+              <p14:cNvPr id="8" name="Ink 7">
+                <a:extLst>
+                  <a:ext uri="{FF2B5EF4-FFF2-40B4-BE49-F238E27FC236}">
+                    <a16:creationId xmlns:a16="http://schemas.microsoft.com/office/drawing/2014/main" id="{0E9734E1-E4B0-8318-5338-0C2FADEB22E7}"/>
+                  </a:ext>
+                </a:extLst>
+              </p14:cNvPr>
+              <p14:cNvContentPartPr/>
+              <p14:nvPr/>
+            </p14:nvContentPartPr>
+            <p14:xfrm>
+              <a:off x="12794918" y="7624203"/>
+              <a:ext cx="673920" cy="405360"/>
+            </p14:xfrm>
+          </p:contentPart>
+        </mc:Choice>
+        <mc:Fallback xmlns="">
+          <p:pic>
+            <p:nvPicPr>
+              <p:cNvPr id="8" name="Ink 7">
+                <a:extLst>
+                  <a:ext uri="{FF2B5EF4-FFF2-40B4-BE49-F238E27FC236}">
+                    <a16:creationId xmlns:a16="http://schemas.microsoft.com/office/drawing/2014/main" id="{0E9734E1-E4B0-8318-5338-0C2FADEB22E7}"/>
+                  </a:ext>
+                </a:extLst>
+              </p:cNvPr>
+              <p:cNvPicPr/>
+              <p:nvPr/>
+            </p:nvPicPr>
+            <p:blipFill>
+              <a:blip r:embed="rId6"/>
+              <a:stretch>
+                <a:fillRect/>
+              </a:stretch>
+            </p:blipFill>
+            <p:spPr>
+              <a:xfrm>
+                <a:off x="12732278" y="7561203"/>
+                <a:ext cx="799560" cy="531000"/>
+              </a:xfrm>
+              <a:prstGeom prst="rect">
+                <a:avLst/>
+              </a:prstGeom>
+            </p:spPr>
+          </p:pic>
+        </mc:Fallback>
+      </mc:AlternateContent>
+      <mc:AlternateContent xmlns:mc="http://schemas.openxmlformats.org/markup-compatibility/2006" xmlns:p14="http://schemas.microsoft.com/office/powerpoint/2010/main">
+        <mc:Choice Requires="p14">
+          <p:contentPart p14:bwMode="auto" r:id="rId7">
+            <p14:nvContentPartPr>
+              <p14:cNvPr id="9" name="Ink 8">
+                <a:extLst>
+                  <a:ext uri="{FF2B5EF4-FFF2-40B4-BE49-F238E27FC236}">
+                    <a16:creationId xmlns:a16="http://schemas.microsoft.com/office/drawing/2014/main" id="{C4FEB952-9601-82EB-285E-068731DBE21B}"/>
+                  </a:ext>
+                </a:extLst>
+              </p14:cNvPr>
+              <p14:cNvContentPartPr/>
+              <p14:nvPr/>
+            </p14:nvContentPartPr>
+            <p14:xfrm>
+              <a:off x="13465598" y="7850643"/>
+              <a:ext cx="1042200" cy="29520"/>
+            </p14:xfrm>
+          </p:contentPart>
+        </mc:Choice>
+        <mc:Fallback xmlns="">
+          <p:pic>
+            <p:nvPicPr>
+              <p:cNvPr id="9" name="Ink 8">
+                <a:extLst>
+                  <a:ext uri="{FF2B5EF4-FFF2-40B4-BE49-F238E27FC236}">
+                    <a16:creationId xmlns:a16="http://schemas.microsoft.com/office/drawing/2014/main" id="{C4FEB952-9601-82EB-285E-068731DBE21B}"/>
+                  </a:ext>
+                </a:extLst>
+              </p:cNvPr>
+              <p:cNvPicPr/>
+              <p:nvPr/>
+            </p:nvPicPr>
+            <p:blipFill>
+              <a:blip r:embed="rId8"/>
+              <a:stretch>
+                <a:fillRect/>
+              </a:stretch>
+            </p:blipFill>
+            <p:spPr>
+              <a:xfrm>
+                <a:off x="13402598" y="7787643"/>
+                <a:ext cx="1167840" cy="155160"/>
+              </a:xfrm>
+              <a:prstGeom prst="rect">
+                <a:avLst/>
+              </a:prstGeom>
+            </p:spPr>
+          </p:pic>
+        </mc:Fallback>
+      </mc:AlternateContent>
+      <p:grpSp>
+        <p:nvGrpSpPr>
+          <p:cNvPr id="12" name="Group 11">
+            <a:extLst>
+              <a:ext uri="{FF2B5EF4-FFF2-40B4-BE49-F238E27FC236}">
+                <a16:creationId xmlns:a16="http://schemas.microsoft.com/office/drawing/2014/main" id="{8C388EBF-A7B0-D9DF-83AA-319C43E89640}"/>
+              </a:ext>
+            </a:extLst>
+          </p:cNvPr>
+          <p:cNvGrpSpPr/>
+          <p:nvPr/>
+        </p:nvGrpSpPr>
+        <p:grpSpPr>
+          <a:xfrm>
+            <a:off x="12865838" y="7939563"/>
+            <a:ext cx="1598400" cy="212760"/>
+            <a:chOff x="12865838" y="7939563"/>
+            <a:chExt cx="1598400" cy="212760"/>
+          </a:xfrm>
+        </p:grpSpPr>
+        <mc:AlternateContent xmlns:mc="http://schemas.openxmlformats.org/markup-compatibility/2006" xmlns:p14="http://schemas.microsoft.com/office/powerpoint/2010/main">
+          <mc:Choice Requires="p14">
+            <p:contentPart p14:bwMode="auto" r:id="rId9">
+              <p14:nvContentPartPr>
+                <p14:cNvPr id="10" name="Ink 9">
+                  <a:extLst>
+                    <a:ext uri="{FF2B5EF4-FFF2-40B4-BE49-F238E27FC236}">
+                      <a16:creationId xmlns:a16="http://schemas.microsoft.com/office/drawing/2014/main" id="{1CD03C7E-71AE-1BD1-A010-5C38CE37E22E}"/>
+                    </a:ext>
+                  </a:extLst>
+                </p14:cNvPr>
+                <p14:cNvContentPartPr/>
+                <p14:nvPr/>
+              </p14:nvContentPartPr>
+              <p14:xfrm>
+                <a:off x="13394318" y="7939563"/>
+                <a:ext cx="1069920" cy="203400"/>
+              </p14:xfrm>
+            </p:contentPart>
+          </mc:Choice>
+          <mc:Fallback xmlns="">
+            <p:pic>
+              <p:nvPicPr>
+                <p:cNvPr id="10" name="Ink 9">
+                  <a:extLst>
+                    <a:ext uri="{FF2B5EF4-FFF2-40B4-BE49-F238E27FC236}">
+                      <a16:creationId xmlns:a16="http://schemas.microsoft.com/office/drawing/2014/main" id="{1CD03C7E-71AE-1BD1-A010-5C38CE37E22E}"/>
+                    </a:ext>
+                  </a:extLst>
+                </p:cNvPr>
+                <p:cNvPicPr/>
+                <p:nvPr/>
+              </p:nvPicPr>
+              <p:blipFill>
+                <a:blip r:embed="rId10"/>
+                <a:stretch>
+                  <a:fillRect/>
+                </a:stretch>
+              </p:blipFill>
+              <p:spPr>
+                <a:xfrm>
+                  <a:off x="13331678" y="7876923"/>
+                  <a:ext cx="1195560" cy="329040"/>
+                </a:xfrm>
+                <a:prstGeom prst="rect">
+                  <a:avLst/>
+                </a:prstGeom>
+              </p:spPr>
+            </p:pic>
+          </mc:Fallback>
+        </mc:AlternateContent>
+        <mc:AlternateContent xmlns:mc="http://schemas.openxmlformats.org/markup-compatibility/2006" xmlns:p14="http://schemas.microsoft.com/office/powerpoint/2010/main">
+          <mc:Choice Requires="p14">
+            <p:contentPart p14:bwMode="auto" r:id="rId11">
+              <p14:nvContentPartPr>
+                <p14:cNvPr id="11" name="Ink 10">
+                  <a:extLst>
+                    <a:ext uri="{FF2B5EF4-FFF2-40B4-BE49-F238E27FC236}">
+                      <a16:creationId xmlns:a16="http://schemas.microsoft.com/office/drawing/2014/main" id="{845CE948-60AF-36C2-002A-8963A15C9AF3}"/>
+                    </a:ext>
+                  </a:extLst>
+                </p14:cNvPr>
+                <p14:cNvContentPartPr/>
+                <p14:nvPr/>
+              </p14:nvContentPartPr>
+              <p14:xfrm>
+                <a:off x="12865838" y="8028843"/>
+                <a:ext cx="515520" cy="123480"/>
+              </p14:xfrm>
+            </p:contentPart>
+          </mc:Choice>
+          <mc:Fallback xmlns="">
+            <p:pic>
+              <p:nvPicPr>
+                <p:cNvPr id="11" name="Ink 10">
+                  <a:extLst>
+                    <a:ext uri="{FF2B5EF4-FFF2-40B4-BE49-F238E27FC236}">
+                      <a16:creationId xmlns:a16="http://schemas.microsoft.com/office/drawing/2014/main" id="{845CE948-60AF-36C2-002A-8963A15C9AF3}"/>
+                    </a:ext>
+                  </a:extLst>
+                </p:cNvPr>
+                <p:cNvPicPr/>
+                <p:nvPr/>
+              </p:nvPicPr>
+              <p:blipFill>
+                <a:blip r:embed="rId12"/>
+                <a:stretch>
+                  <a:fillRect/>
+                </a:stretch>
+              </p:blipFill>
+              <p:spPr>
+                <a:xfrm>
+                  <a:off x="12803198" y="7965843"/>
+                  <a:ext cx="641160" cy="249120"/>
+                </a:xfrm>
+                <a:prstGeom prst="rect">
+                  <a:avLst/>
+                </a:prstGeom>
+              </p:spPr>
+            </p:pic>
+          </mc:Fallback>
+        </mc:AlternateContent>
+      </p:grpSp>
     </p:spTree>
   </p:cSld>
   <p:clrMapOvr>
@@ -4346,6 +4150,159 @@
           </a:p>
         </p:txBody>
       </p:sp>
+      <mc:AlternateContent xmlns:mc="http://schemas.openxmlformats.org/markup-compatibility/2006" xmlns:p14="http://schemas.microsoft.com/office/powerpoint/2010/main">
+        <mc:Choice Requires="p14">
+          <p:contentPart p14:bwMode="auto" r:id="rId3">
+            <p14:nvContentPartPr>
+              <p14:cNvPr id="18" name="Ink 17">
+                <a:extLst>
+                  <a:ext uri="{FF2B5EF4-FFF2-40B4-BE49-F238E27FC236}">
+                    <a16:creationId xmlns:a16="http://schemas.microsoft.com/office/drawing/2014/main" id="{76697D0D-DA42-DA34-7F1A-78FE1DAA7AD5}"/>
+                  </a:ext>
+                </a:extLst>
+              </p14:cNvPr>
+              <p14:cNvContentPartPr/>
+              <p14:nvPr/>
+            </p14:nvContentPartPr>
+            <p14:xfrm>
+              <a:off x="12783038" y="7191123"/>
+              <a:ext cx="1521000" cy="896040"/>
+            </p14:xfrm>
+          </p:contentPart>
+        </mc:Choice>
+        <mc:Fallback xmlns="">
+          <p:pic>
+            <p:nvPicPr>
+              <p:cNvPr id="18" name="Ink 17">
+                <a:extLst>
+                  <a:ext uri="{FF2B5EF4-FFF2-40B4-BE49-F238E27FC236}">
+                    <a16:creationId xmlns:a16="http://schemas.microsoft.com/office/drawing/2014/main" id="{76697D0D-DA42-DA34-7F1A-78FE1DAA7AD5}"/>
+                  </a:ext>
+                </a:extLst>
+              </p:cNvPr>
+              <p:cNvPicPr/>
+              <p:nvPr/>
+            </p:nvPicPr>
+            <p:blipFill>
+              <a:blip r:embed="rId4"/>
+              <a:stretch>
+                <a:fillRect/>
+              </a:stretch>
+            </p:blipFill>
+            <p:spPr>
+              <a:xfrm>
+                <a:off x="12720038" y="7128483"/>
+                <a:ext cx="1646640" cy="1021680"/>
+              </a:xfrm>
+              <a:prstGeom prst="rect">
+                <a:avLst/>
+              </a:prstGeom>
+            </p:spPr>
+          </p:pic>
+        </mc:Fallback>
+      </mc:AlternateContent>
+      <mc:AlternateContent xmlns:mc="http://schemas.openxmlformats.org/markup-compatibility/2006" xmlns:p14="http://schemas.microsoft.com/office/powerpoint/2010/main">
+        <mc:Choice Requires="p14">
+          <p:contentPart p14:bwMode="auto" r:id="rId5">
+            <p14:nvContentPartPr>
+              <p14:cNvPr id="19" name="Ink 18">
+                <a:extLst>
+                  <a:ext uri="{FF2B5EF4-FFF2-40B4-BE49-F238E27FC236}">
+                    <a16:creationId xmlns:a16="http://schemas.microsoft.com/office/drawing/2014/main" id="{0500B34C-2D23-8C6C-1B7F-8DF8335E20F3}"/>
+                  </a:ext>
+                </a:extLst>
+              </p14:cNvPr>
+              <p14:cNvContentPartPr/>
+              <p14:nvPr/>
+            </p14:nvContentPartPr>
+            <p14:xfrm>
+              <a:off x="13298558" y="7805283"/>
+              <a:ext cx="1209600" cy="167760"/>
+            </p14:xfrm>
+          </p:contentPart>
+        </mc:Choice>
+        <mc:Fallback xmlns="">
+          <p:pic>
+            <p:nvPicPr>
+              <p:cNvPr id="19" name="Ink 18">
+                <a:extLst>
+                  <a:ext uri="{FF2B5EF4-FFF2-40B4-BE49-F238E27FC236}">
+                    <a16:creationId xmlns:a16="http://schemas.microsoft.com/office/drawing/2014/main" id="{0500B34C-2D23-8C6C-1B7F-8DF8335E20F3}"/>
+                  </a:ext>
+                </a:extLst>
+              </p:cNvPr>
+              <p:cNvPicPr/>
+              <p:nvPr/>
+            </p:nvPicPr>
+            <p:blipFill>
+              <a:blip r:embed="rId6"/>
+              <a:stretch>
+                <a:fillRect/>
+              </a:stretch>
+            </p:blipFill>
+            <p:spPr>
+              <a:xfrm>
+                <a:off x="13235918" y="7742643"/>
+                <a:ext cx="1335240" cy="293400"/>
+              </a:xfrm>
+              <a:prstGeom prst="rect">
+                <a:avLst/>
+              </a:prstGeom>
+            </p:spPr>
+          </p:pic>
+        </mc:Fallback>
+      </mc:AlternateContent>
+      <mc:AlternateContent xmlns:mc="http://schemas.openxmlformats.org/markup-compatibility/2006" xmlns:p14="http://schemas.microsoft.com/office/powerpoint/2010/main">
+        <mc:Choice Requires="p14">
+          <p:contentPart p14:bwMode="auto" r:id="rId7">
+            <p14:nvContentPartPr>
+              <p14:cNvPr id="20" name="Ink 19">
+                <a:extLst>
+                  <a:ext uri="{FF2B5EF4-FFF2-40B4-BE49-F238E27FC236}">
+                    <a16:creationId xmlns:a16="http://schemas.microsoft.com/office/drawing/2014/main" id="{A7E88949-0947-84C5-4E72-F074F0C34128}"/>
+                  </a:ext>
+                </a:extLst>
+              </p14:cNvPr>
+              <p14:cNvContentPartPr/>
+              <p14:nvPr/>
+            </p14:nvContentPartPr>
+            <p14:xfrm>
+              <a:off x="13306838" y="7993203"/>
+              <a:ext cx="1245600" cy="136440"/>
+            </p14:xfrm>
+          </p:contentPart>
+        </mc:Choice>
+        <mc:Fallback xmlns="">
+          <p:pic>
+            <p:nvPicPr>
+              <p:cNvPr id="20" name="Ink 19">
+                <a:extLst>
+                  <a:ext uri="{FF2B5EF4-FFF2-40B4-BE49-F238E27FC236}">
+                    <a16:creationId xmlns:a16="http://schemas.microsoft.com/office/drawing/2014/main" id="{A7E88949-0947-84C5-4E72-F074F0C34128}"/>
+                  </a:ext>
+                </a:extLst>
+              </p:cNvPr>
+              <p:cNvPicPr/>
+              <p:nvPr/>
+            </p:nvPicPr>
+            <p:blipFill>
+              <a:blip r:embed="rId8"/>
+              <a:stretch>
+                <a:fillRect/>
+              </a:stretch>
+            </p:blipFill>
+            <p:spPr>
+              <a:xfrm>
+                <a:off x="13244198" y="7930563"/>
+                <a:ext cx="1371240" cy="262080"/>
+              </a:xfrm>
+              <a:prstGeom prst="rect">
+                <a:avLst/>
+              </a:prstGeom>
+            </p:spPr>
+          </p:pic>
+        </mc:Fallback>
+      </mc:AlternateContent>
     </p:spTree>
   </p:cSld>
   <p:clrMapOvr>
@@ -4854,6 +4811,57 @@
           </a:prstGeom>
         </p:spPr>
       </p:pic>
+      <mc:AlternateContent xmlns:mc="http://schemas.openxmlformats.org/markup-compatibility/2006" xmlns:p14="http://schemas.microsoft.com/office/powerpoint/2010/main">
+        <mc:Choice Requires="p14">
+          <p:contentPart p14:bwMode="auto" r:id="rId8">
+            <p14:nvContentPartPr>
+              <p14:cNvPr id="2" name="Ink 1">
+                <a:extLst>
+                  <a:ext uri="{FF2B5EF4-FFF2-40B4-BE49-F238E27FC236}">
+                    <a16:creationId xmlns:a16="http://schemas.microsoft.com/office/drawing/2014/main" id="{037D8C77-16CF-33D7-35CC-F51CA922C8CD}"/>
+                  </a:ext>
+                </a:extLst>
+              </p14:cNvPr>
+              <p14:cNvContentPartPr/>
+              <p14:nvPr/>
+            </p14:nvContentPartPr>
+            <p14:xfrm>
+              <a:off x="12844958" y="7774323"/>
+              <a:ext cx="1699920" cy="343440"/>
+            </p14:xfrm>
+          </p:contentPart>
+        </mc:Choice>
+        <mc:Fallback xmlns="">
+          <p:pic>
+            <p:nvPicPr>
+              <p:cNvPr id="2" name="Ink 1">
+                <a:extLst>
+                  <a:ext uri="{FF2B5EF4-FFF2-40B4-BE49-F238E27FC236}">
+                    <a16:creationId xmlns:a16="http://schemas.microsoft.com/office/drawing/2014/main" id="{037D8C77-16CF-33D7-35CC-F51CA922C8CD}"/>
+                  </a:ext>
+                </a:extLst>
+              </p:cNvPr>
+              <p:cNvPicPr/>
+              <p:nvPr/>
+            </p:nvPicPr>
+            <p:blipFill>
+              <a:blip r:embed="rId9"/>
+              <a:stretch>
+                <a:fillRect/>
+              </a:stretch>
+            </p:blipFill>
+            <p:spPr>
+              <a:xfrm>
+                <a:off x="12781958" y="7711683"/>
+                <a:ext cx="1825560" cy="469080"/>
+              </a:xfrm>
+              <a:prstGeom prst="rect">
+                <a:avLst/>
+              </a:prstGeom>
+            </p:spPr>
+          </p:pic>
+        </mc:Fallback>
+      </mc:AlternateContent>
     </p:spTree>
   </p:cSld>
   <p:clrMapOvr>
@@ -5750,1152 +5758,6 @@
           </a:prstGeom>
         </p:spPr>
       </p:pic>
-    </p:spTree>
-  </p:cSld>
-  <p:clrMapOvr>
-    <a:masterClrMapping/>
-  </p:clrMapOvr>
-</p:sld>
-</file>
-
-<file path=ppt/slides/slide8.xml><?xml version="1.0" encoding="utf-8"?>
-<p:sld xmlns:a="http://schemas.openxmlformats.org/drawingml/2006/main" xmlns:r="http://schemas.openxmlformats.org/officeDocument/2006/relationships" xmlns:p="http://schemas.openxmlformats.org/presentationml/2006/main">
-  <p:cSld name="Slide 8">
-    <p:spTree>
-      <p:nvGrpSpPr>
-        <p:cNvPr id="1" name=""/>
-        <p:cNvGrpSpPr/>
-        <p:nvPr/>
-      </p:nvGrpSpPr>
-      <p:grpSpPr>
-        <a:xfrm>
-          <a:off x="0" y="0"/>
-          <a:ext cx="0" cy="0"/>
-          <a:chOff x="0" y="0"/>
-          <a:chExt cx="0" cy="0"/>
-        </a:xfrm>
-      </p:grpSpPr>
-      <p:sp>
-        <p:nvSpPr>
-          <p:cNvPr id="2" name="Text 0"/>
-          <p:cNvSpPr/>
-          <p:nvPr/>
-        </p:nvSpPr>
-        <p:spPr>
-          <a:xfrm>
-            <a:off x="793790" y="972145"/>
-            <a:ext cx="9285923" cy="708779"/>
-          </a:xfrm>
-          <a:prstGeom prst="rect">
-            <a:avLst/>
-          </a:prstGeom>
-          <a:noFill/>
-          <a:ln/>
-        </p:spPr>
-        <p:txBody>
-          <a:bodyPr wrap="none" lIns="0" tIns="0" rIns="0" bIns="0" rtlCol="0" anchor="t"/>
-          <a:lstStyle/>
-          <a:p>
-            <a:pPr marL="0" indent="0">
-              <a:lnSpc>
-                <a:spcPts val="5550"/>
-              </a:lnSpc>
-              <a:buNone/>
-            </a:pPr>
-            <a:r>
-              <a:rPr lang="en-US" sz="4450" dirty="0">
-                <a:solidFill>
-                  <a:srgbClr val="124E73"/>
-                </a:solidFill>
-                <a:latin typeface="MuseoModerno Medium" pitchFamily="34" charset="0"/>
-                <a:ea typeface="MuseoModerno Medium" pitchFamily="34" charset="-122"/>
-                <a:cs typeface="MuseoModerno Medium" pitchFamily="34" charset="-120"/>
-              </a:rPr>
-              <a:t>Database Design and Integration</a:t>
-            </a:r>
-            <a:endParaRPr lang="en-US" sz="4450" dirty="0"/>
-          </a:p>
-        </p:txBody>
-      </p:sp>
-      <p:pic>
-        <p:nvPicPr>
-          <p:cNvPr id="3" name="Image 0" descr="preencoded.png"/>
-          <p:cNvPicPr>
-            <a:picLocks noChangeAspect="1"/>
-          </p:cNvPicPr>
-          <p:nvPr/>
-        </p:nvPicPr>
-        <p:blipFill>
-          <a:blip r:embed="rId3"/>
-          <a:stretch>
-            <a:fillRect/>
-          </a:stretch>
-        </p:blipFill>
-        <p:spPr>
-          <a:xfrm>
-            <a:off x="2978348" y="2134553"/>
-            <a:ext cx="2152055" cy="1669852"/>
-          </a:xfrm>
-          <a:prstGeom prst="rect">
-            <a:avLst/>
-          </a:prstGeom>
-        </p:spPr>
-      </p:pic>
-      <p:sp>
-        <p:nvSpPr>
-          <p:cNvPr id="4" name="Text 1"/>
-          <p:cNvSpPr/>
-          <p:nvPr/>
-        </p:nvSpPr>
-        <p:spPr>
-          <a:xfrm>
-            <a:off x="3987879" y="2959179"/>
-            <a:ext cx="132993" cy="453509"/>
-          </a:xfrm>
-          <a:prstGeom prst="rect">
-            <a:avLst/>
-          </a:prstGeom>
-          <a:noFill/>
-          <a:ln/>
-        </p:spPr>
-        <p:txBody>
-          <a:bodyPr wrap="none" lIns="0" tIns="0" rIns="0" bIns="0" rtlCol="0" anchor="t"/>
-          <a:lstStyle/>
-          <a:p>
-            <a:pPr marL="0" indent="0" algn="ctr">
-              <a:lnSpc>
-                <a:spcPts val="3550"/>
-              </a:lnSpc>
-              <a:buNone/>
-            </a:pPr>
-            <a:r>
-              <a:rPr lang="en-US" sz="2200" dirty="0">
-                <a:solidFill>
-                  <a:srgbClr val="2B4150"/>
-                </a:solidFill>
-                <a:latin typeface="MuseoModerno Medium" pitchFamily="34" charset="0"/>
-                <a:ea typeface="MuseoModerno Medium" pitchFamily="34" charset="-122"/>
-                <a:cs typeface="MuseoModerno Medium" pitchFamily="34" charset="-120"/>
-              </a:rPr>
-              <a:t>1</a:t>
-            </a:r>
-            <a:endParaRPr lang="en-US" sz="2200" dirty="0"/>
-          </a:p>
-        </p:txBody>
-      </p:sp>
-      <p:sp>
-        <p:nvSpPr>
-          <p:cNvPr id="5" name="Text 2"/>
-          <p:cNvSpPr/>
-          <p:nvPr/>
-        </p:nvSpPr>
-        <p:spPr>
-          <a:xfrm>
-            <a:off x="5357217" y="2542818"/>
-            <a:ext cx="2835235" cy="354330"/>
-          </a:xfrm>
-          <a:prstGeom prst="rect">
-            <a:avLst/>
-          </a:prstGeom>
-          <a:noFill/>
-          <a:ln/>
-        </p:spPr>
-        <p:txBody>
-          <a:bodyPr wrap="none" lIns="0" tIns="0" rIns="0" bIns="0" rtlCol="0" anchor="t"/>
-          <a:lstStyle/>
-          <a:p>
-            <a:pPr marL="0" indent="0" algn="l">
-              <a:lnSpc>
-                <a:spcPts val="2750"/>
-              </a:lnSpc>
-              <a:buNone/>
-            </a:pPr>
-            <a:r>
-              <a:rPr lang="en-US" sz="2200" dirty="0">
-                <a:solidFill>
-                  <a:srgbClr val="2B4150"/>
-                </a:solidFill>
-                <a:latin typeface="MuseoModerno Medium" pitchFamily="34" charset="0"/>
-                <a:ea typeface="MuseoModerno Medium" pitchFamily="34" charset="-122"/>
-                <a:cs typeface="MuseoModerno Medium" pitchFamily="34" charset="-120"/>
-              </a:rPr>
-              <a:t>User Collection</a:t>
-            </a:r>
-            <a:endParaRPr lang="en-US" sz="2200" dirty="0"/>
-          </a:p>
-        </p:txBody>
-      </p:sp>
-      <p:sp>
-        <p:nvSpPr>
-          <p:cNvPr id="6" name="Text 3"/>
-          <p:cNvSpPr/>
-          <p:nvPr/>
-        </p:nvSpPr>
-        <p:spPr>
-          <a:xfrm>
-            <a:off x="5357217" y="3033236"/>
-            <a:ext cx="7705249" cy="362903"/>
-          </a:xfrm>
-          <a:prstGeom prst="rect">
-            <a:avLst/>
-          </a:prstGeom>
-          <a:noFill/>
-          <a:ln/>
-        </p:spPr>
-        <p:txBody>
-          <a:bodyPr wrap="none" lIns="0" tIns="0" rIns="0" bIns="0" rtlCol="0" anchor="t"/>
-          <a:lstStyle/>
-          <a:p>
-            <a:pPr marL="0" indent="0" algn="l">
-              <a:lnSpc>
-                <a:spcPts val="2850"/>
-              </a:lnSpc>
-              <a:buNone/>
-            </a:pPr>
-            <a:r>
-              <a:rPr lang="en-US" sz="1750" dirty="0">
-                <a:solidFill>
-                  <a:srgbClr val="2B4150"/>
-                </a:solidFill>
-                <a:latin typeface="Source Sans Pro" pitchFamily="34" charset="0"/>
-                <a:ea typeface="Source Sans Pro" pitchFamily="34" charset="-122"/>
-                <a:cs typeface="Source Sans Pro" pitchFamily="34" charset="-120"/>
-              </a:rPr>
-              <a:t>Stores user information, including username, email , and  password.</a:t>
-            </a:r>
-            <a:endParaRPr lang="en-US" sz="1750" dirty="0"/>
-          </a:p>
-        </p:txBody>
-      </p:sp>
-      <p:sp>
-        <p:nvSpPr>
-          <p:cNvPr id="7" name="Shape 4"/>
-          <p:cNvSpPr/>
-          <p:nvPr/>
-        </p:nvSpPr>
-        <p:spPr>
-          <a:xfrm>
-            <a:off x="5187077" y="3817501"/>
-            <a:ext cx="8592860" cy="15240"/>
-          </a:xfrm>
-          <a:prstGeom prst="roundRect">
-            <a:avLst>
-              <a:gd name="adj" fmla="val 223256"/>
-            </a:avLst>
-          </a:prstGeom>
-          <a:solidFill>
-            <a:srgbClr val="D9D4C9"/>
-          </a:solidFill>
-          <a:ln/>
-        </p:spPr>
-      </p:sp>
-      <p:pic>
-        <p:nvPicPr>
-          <p:cNvPr id="8" name="Image 1" descr="preencoded.png"/>
-          <p:cNvPicPr>
-            <a:picLocks noChangeAspect="1"/>
-          </p:cNvPicPr>
-          <p:nvPr/>
-        </p:nvPicPr>
-        <p:blipFill>
-          <a:blip r:embed="rId4"/>
-          <a:stretch>
-            <a:fillRect/>
-          </a:stretch>
-        </p:blipFill>
-        <p:spPr>
-          <a:xfrm>
-            <a:off x="1902381" y="3861078"/>
-            <a:ext cx="4304109" cy="1669852"/>
-          </a:xfrm>
-          <a:prstGeom prst="rect">
-            <a:avLst/>
-          </a:prstGeom>
-        </p:spPr>
-      </p:pic>
-      <p:sp>
-        <p:nvSpPr>
-          <p:cNvPr id="9" name="Text 5"/>
-          <p:cNvSpPr/>
-          <p:nvPr/>
-        </p:nvSpPr>
-        <p:spPr>
-          <a:xfrm>
-            <a:off x="3975497" y="4469249"/>
-            <a:ext cx="157639" cy="453509"/>
-          </a:xfrm>
-          <a:prstGeom prst="rect">
-            <a:avLst/>
-          </a:prstGeom>
-          <a:noFill/>
-          <a:ln/>
-        </p:spPr>
-        <p:txBody>
-          <a:bodyPr wrap="none" lIns="0" tIns="0" rIns="0" bIns="0" rtlCol="0" anchor="t"/>
-          <a:lstStyle/>
-          <a:p>
-            <a:pPr marL="0" indent="0" algn="ctr">
-              <a:lnSpc>
-                <a:spcPts val="3550"/>
-              </a:lnSpc>
-              <a:buNone/>
-            </a:pPr>
-            <a:r>
-              <a:rPr lang="en-US" sz="2200" dirty="0">
-                <a:solidFill>
-                  <a:srgbClr val="2B4150"/>
-                </a:solidFill>
-                <a:latin typeface="MuseoModerno Medium" pitchFamily="34" charset="0"/>
-                <a:ea typeface="MuseoModerno Medium" pitchFamily="34" charset="-122"/>
-                <a:cs typeface="MuseoModerno Medium" pitchFamily="34" charset="-120"/>
-              </a:rPr>
-              <a:t>2</a:t>
-            </a:r>
-            <a:endParaRPr lang="en-US" sz="2200" dirty="0"/>
-          </a:p>
-        </p:txBody>
-      </p:sp>
-      <p:sp>
-        <p:nvSpPr>
-          <p:cNvPr id="10" name="Text 6"/>
-          <p:cNvSpPr/>
-          <p:nvPr/>
-        </p:nvSpPr>
-        <p:spPr>
-          <a:xfrm>
-            <a:off x="6433304" y="4269343"/>
-            <a:ext cx="2835235" cy="354330"/>
-          </a:xfrm>
-          <a:prstGeom prst="rect">
-            <a:avLst/>
-          </a:prstGeom>
-          <a:noFill/>
-          <a:ln/>
-        </p:spPr>
-        <p:txBody>
-          <a:bodyPr wrap="none" lIns="0" tIns="0" rIns="0" bIns="0" rtlCol="0" anchor="t"/>
-          <a:lstStyle/>
-          <a:p>
-            <a:pPr marL="0" indent="0" algn="l">
-              <a:lnSpc>
-                <a:spcPts val="2750"/>
-              </a:lnSpc>
-              <a:buNone/>
-            </a:pPr>
-            <a:r>
-              <a:rPr lang="en-US" sz="2200" dirty="0">
-                <a:solidFill>
-                  <a:srgbClr val="2B4150"/>
-                </a:solidFill>
-                <a:latin typeface="MuseoModerno Medium" pitchFamily="34" charset="0"/>
-                <a:ea typeface="MuseoModerno Medium" pitchFamily="34" charset="-122"/>
-                <a:cs typeface="MuseoModerno Medium" pitchFamily="34" charset="-120"/>
-              </a:rPr>
-              <a:t>Users Conversation</a:t>
-            </a:r>
-            <a:endParaRPr lang="en-US" sz="2200" dirty="0"/>
-          </a:p>
-        </p:txBody>
-      </p:sp>
-      <p:sp>
-        <p:nvSpPr>
-          <p:cNvPr id="11" name="Text 7"/>
-          <p:cNvSpPr/>
-          <p:nvPr/>
-        </p:nvSpPr>
-        <p:spPr>
-          <a:xfrm>
-            <a:off x="6433304" y="4759762"/>
-            <a:ext cx="6495336" cy="362903"/>
-          </a:xfrm>
-          <a:prstGeom prst="rect">
-            <a:avLst/>
-          </a:prstGeom>
-          <a:noFill/>
-          <a:ln/>
-        </p:spPr>
-        <p:txBody>
-          <a:bodyPr wrap="none" lIns="0" tIns="0" rIns="0" bIns="0" rtlCol="0" anchor="t"/>
-          <a:lstStyle/>
-          <a:p>
-            <a:pPr marL="0" indent="0" algn="l">
-              <a:lnSpc>
-                <a:spcPts val="2850"/>
-              </a:lnSpc>
-              <a:buNone/>
-            </a:pPr>
-            <a:r>
-              <a:rPr lang="en-US" sz="1750" dirty="0">
-                <a:solidFill>
-                  <a:srgbClr val="2B4150"/>
-                </a:solidFill>
-                <a:latin typeface="Source Sans Pro" pitchFamily="34" charset="0"/>
-                <a:ea typeface="Source Sans Pro" pitchFamily="34" charset="-122"/>
-                <a:cs typeface="Source Sans Pro" pitchFamily="34" charset="-120"/>
-              </a:rPr>
-              <a:t>Stores  conversation  Array of two user, sender and receiver.</a:t>
-            </a:r>
-            <a:endParaRPr lang="en-US" sz="1750" dirty="0"/>
-          </a:p>
-        </p:txBody>
-      </p:sp>
-      <p:sp>
-        <p:nvSpPr>
-          <p:cNvPr id="12" name="Shape 8"/>
-          <p:cNvSpPr/>
-          <p:nvPr/>
-        </p:nvSpPr>
-        <p:spPr>
-          <a:xfrm>
-            <a:off x="6263164" y="5544026"/>
-            <a:ext cx="7516773" cy="15240"/>
-          </a:xfrm>
-          <a:prstGeom prst="roundRect">
-            <a:avLst>
-              <a:gd name="adj" fmla="val 223256"/>
-            </a:avLst>
-          </a:prstGeom>
-          <a:solidFill>
-            <a:srgbClr val="D9D4C9"/>
-          </a:solidFill>
-          <a:ln/>
-        </p:spPr>
-      </p:sp>
-      <p:pic>
-        <p:nvPicPr>
-          <p:cNvPr id="13" name="Image 2" descr="preencoded.png"/>
-          <p:cNvPicPr>
-            <a:picLocks noChangeAspect="1"/>
-          </p:cNvPicPr>
-          <p:nvPr/>
-        </p:nvPicPr>
-        <p:blipFill>
-          <a:blip r:embed="rId5"/>
-          <a:stretch>
-            <a:fillRect/>
-          </a:stretch>
-        </p:blipFill>
-        <p:spPr>
-          <a:xfrm>
-            <a:off x="826294" y="5587603"/>
-            <a:ext cx="6456164" cy="1669852"/>
-          </a:xfrm>
-          <a:prstGeom prst="rect">
-            <a:avLst/>
-          </a:prstGeom>
-        </p:spPr>
-      </p:pic>
-      <p:sp>
-        <p:nvSpPr>
-          <p:cNvPr id="14" name="Text 9"/>
-          <p:cNvSpPr/>
-          <p:nvPr/>
-        </p:nvSpPr>
-        <p:spPr>
-          <a:xfrm>
-            <a:off x="3974663" y="6195774"/>
-            <a:ext cx="159306" cy="453509"/>
-          </a:xfrm>
-          <a:prstGeom prst="rect">
-            <a:avLst/>
-          </a:prstGeom>
-          <a:noFill/>
-          <a:ln/>
-        </p:spPr>
-        <p:txBody>
-          <a:bodyPr wrap="none" lIns="0" tIns="0" rIns="0" bIns="0" rtlCol="0" anchor="t"/>
-          <a:lstStyle/>
-          <a:p>
-            <a:pPr marL="0" indent="0" algn="ctr">
-              <a:lnSpc>
-                <a:spcPts val="3550"/>
-              </a:lnSpc>
-              <a:buNone/>
-            </a:pPr>
-            <a:r>
-              <a:rPr lang="en-US" sz="2200" dirty="0">
-                <a:solidFill>
-                  <a:srgbClr val="2B4150"/>
-                </a:solidFill>
-                <a:latin typeface="MuseoModerno Medium" pitchFamily="34" charset="0"/>
-                <a:ea typeface="MuseoModerno Medium" pitchFamily="34" charset="-122"/>
-                <a:cs typeface="MuseoModerno Medium" pitchFamily="34" charset="-120"/>
-              </a:rPr>
-              <a:t>3</a:t>
-            </a:r>
-            <a:endParaRPr lang="en-US" sz="2200" dirty="0"/>
-          </a:p>
-        </p:txBody>
-      </p:sp>
-      <p:sp>
-        <p:nvSpPr>
-          <p:cNvPr id="15" name="Text 10"/>
-          <p:cNvSpPr/>
-          <p:nvPr/>
-        </p:nvSpPr>
-        <p:spPr>
-          <a:xfrm>
-            <a:off x="7509272" y="5814417"/>
-            <a:ext cx="2835235" cy="354330"/>
-          </a:xfrm>
-          <a:prstGeom prst="rect">
-            <a:avLst/>
-          </a:prstGeom>
-          <a:noFill/>
-          <a:ln/>
-        </p:spPr>
-        <p:txBody>
-          <a:bodyPr wrap="none" lIns="0" tIns="0" rIns="0" bIns="0" rtlCol="0" anchor="t"/>
-          <a:lstStyle/>
-          <a:p>
-            <a:pPr marL="0" indent="0" algn="l">
-              <a:lnSpc>
-                <a:spcPts val="2750"/>
-              </a:lnSpc>
-              <a:buNone/>
-            </a:pPr>
-            <a:r>
-              <a:rPr lang="en-US" sz="2200" dirty="0">
-                <a:solidFill>
-                  <a:srgbClr val="2B4150"/>
-                </a:solidFill>
-                <a:latin typeface="MuseoModerno Medium" pitchFamily="34" charset="0"/>
-                <a:ea typeface="MuseoModerno Medium" pitchFamily="34" charset="-122"/>
-                <a:cs typeface="MuseoModerno Medium" pitchFamily="34" charset="-120"/>
-              </a:rPr>
-              <a:t>Message Collection</a:t>
-            </a:r>
-            <a:endParaRPr lang="en-US" sz="2200" dirty="0"/>
-          </a:p>
-        </p:txBody>
-      </p:sp>
-      <p:sp>
-        <p:nvSpPr>
-          <p:cNvPr id="16" name="Text 11"/>
-          <p:cNvSpPr/>
-          <p:nvPr/>
-        </p:nvSpPr>
-        <p:spPr>
-          <a:xfrm>
-            <a:off x="7509272" y="6304836"/>
-            <a:ext cx="6100524" cy="725805"/>
-          </a:xfrm>
-          <a:prstGeom prst="rect">
-            <a:avLst/>
-          </a:prstGeom>
-          <a:noFill/>
-          <a:ln/>
-        </p:spPr>
-        <p:txBody>
-          <a:bodyPr wrap="square" lIns="0" tIns="0" rIns="0" bIns="0" rtlCol="0" anchor="t"/>
-          <a:lstStyle/>
-          <a:p>
-            <a:pPr marL="0" indent="0" algn="l">
-              <a:lnSpc>
-                <a:spcPts val="2850"/>
-              </a:lnSpc>
-              <a:buNone/>
-            </a:pPr>
-            <a:r>
-              <a:rPr lang="en-US" sz="1750" dirty="0">
-                <a:solidFill>
-                  <a:srgbClr val="2B4150"/>
-                </a:solidFill>
-                <a:latin typeface="Source Sans Pro" pitchFamily="34" charset="0"/>
-                <a:ea typeface="Source Sans Pro" pitchFamily="34" charset="-122"/>
-                <a:cs typeface="Source Sans Pro" pitchFamily="34" charset="-120"/>
-              </a:rPr>
-              <a:t>Stores messages and their respective timestamps .</a:t>
-            </a:r>
-            <a:endParaRPr lang="en-US" sz="1750" dirty="0"/>
-          </a:p>
-        </p:txBody>
-      </p:sp>
-      <p:pic>
-        <p:nvPicPr>
-          <p:cNvPr id="18" name="Picture 17">
-            <a:extLst>
-              <a:ext uri="{FF2B5EF4-FFF2-40B4-BE49-F238E27FC236}">
-                <a16:creationId xmlns:a16="http://schemas.microsoft.com/office/drawing/2014/main" id="{1E571847-2C60-99D2-C56C-E7B41C6B58E1}"/>
-              </a:ext>
-            </a:extLst>
-          </p:cNvPr>
-          <p:cNvPicPr>
-            <a:picLocks noChangeAspect="1"/>
-          </p:cNvPicPr>
-          <p:nvPr/>
-        </p:nvPicPr>
-        <p:blipFill>
-          <a:blip r:embed="rId6"/>
-          <a:stretch>
-            <a:fillRect/>
-          </a:stretch>
-        </p:blipFill>
-        <p:spPr>
-          <a:xfrm>
-            <a:off x="11476904" y="348988"/>
-            <a:ext cx="2903472" cy="2171888"/>
-          </a:xfrm>
-          <a:prstGeom prst="rect">
-            <a:avLst/>
-          </a:prstGeom>
-        </p:spPr>
-      </p:pic>
-    </p:spTree>
-  </p:cSld>
-  <p:clrMapOvr>
-    <a:masterClrMapping/>
-  </p:clrMapOvr>
-</p:sld>
-</file>
-
-<file path=ppt/slides/slide9.xml><?xml version="1.0" encoding="utf-8"?>
-<p:sld xmlns:a="http://schemas.openxmlformats.org/drawingml/2006/main" xmlns:r="http://schemas.openxmlformats.org/officeDocument/2006/relationships" xmlns:p="http://schemas.openxmlformats.org/presentationml/2006/main">
-  <p:cSld name="Slide 9">
-    <p:spTree>
-      <p:nvGrpSpPr>
-        <p:cNvPr id="1" name=""/>
-        <p:cNvGrpSpPr/>
-        <p:nvPr/>
-      </p:nvGrpSpPr>
-      <p:grpSpPr>
-        <a:xfrm>
-          <a:off x="0" y="0"/>
-          <a:ext cx="0" cy="0"/>
-          <a:chOff x="0" y="0"/>
-          <a:chExt cx="0" cy="0"/>
-        </a:xfrm>
-      </p:grpSpPr>
-      <p:sp>
-        <p:nvSpPr>
-          <p:cNvPr id="2" name="Text 0"/>
-          <p:cNvSpPr/>
-          <p:nvPr/>
-        </p:nvSpPr>
-        <p:spPr>
-          <a:xfrm>
-            <a:off x="793790" y="1096923"/>
-            <a:ext cx="6918841" cy="708779"/>
-          </a:xfrm>
-          <a:prstGeom prst="rect">
-            <a:avLst/>
-          </a:prstGeom>
-          <a:noFill/>
-          <a:ln/>
-        </p:spPr>
-        <p:txBody>
-          <a:bodyPr wrap="none" lIns="0" tIns="0" rIns="0" bIns="0" rtlCol="0" anchor="t"/>
-          <a:lstStyle/>
-          <a:p>
-            <a:pPr marL="0" indent="0">
-              <a:lnSpc>
-                <a:spcPts val="5550"/>
-              </a:lnSpc>
-              <a:buNone/>
-            </a:pPr>
-            <a:r>
-              <a:rPr lang="en-US" sz="4450" dirty="0">
-                <a:solidFill>
-                  <a:srgbClr val="124E73"/>
-                </a:solidFill>
-                <a:latin typeface="MuseoModerno Medium" pitchFamily="34" charset="0"/>
-                <a:ea typeface="MuseoModerno Medium" pitchFamily="34" charset="-122"/>
-                <a:cs typeface="MuseoModerno Medium" pitchFamily="34" charset="-120"/>
-              </a:rPr>
-              <a:t>Deployment and Hosting</a:t>
-            </a:r>
-            <a:endParaRPr lang="en-US" sz="4450" dirty="0"/>
-          </a:p>
-        </p:txBody>
-      </p:sp>
-      <p:sp>
-        <p:nvSpPr>
-          <p:cNvPr id="3" name="Shape 1"/>
-          <p:cNvSpPr/>
-          <p:nvPr/>
-        </p:nvSpPr>
-        <p:spPr>
-          <a:xfrm>
-            <a:off x="793790" y="2259330"/>
-            <a:ext cx="2173724" cy="1306949"/>
-          </a:xfrm>
-          <a:prstGeom prst="roundRect">
-            <a:avLst>
-              <a:gd name="adj" fmla="val 2603"/>
-            </a:avLst>
-          </a:prstGeom>
-          <a:solidFill>
-            <a:srgbClr val="F3EEE3"/>
-          </a:solidFill>
-          <a:ln/>
-        </p:spPr>
-      </p:sp>
-      <p:sp>
-        <p:nvSpPr>
-          <p:cNvPr id="4" name="Text 2"/>
-          <p:cNvSpPr/>
-          <p:nvPr/>
-        </p:nvSpPr>
-        <p:spPr>
-          <a:xfrm>
-            <a:off x="1020604" y="2686050"/>
-            <a:ext cx="132993" cy="453509"/>
-          </a:xfrm>
-          <a:prstGeom prst="rect">
-            <a:avLst/>
-          </a:prstGeom>
-          <a:noFill/>
-          <a:ln/>
-        </p:spPr>
-        <p:txBody>
-          <a:bodyPr wrap="none" lIns="0" tIns="0" rIns="0" bIns="0" rtlCol="0" anchor="t"/>
-          <a:lstStyle/>
-          <a:p>
-            <a:pPr marL="0" indent="0" algn="ctr">
-              <a:lnSpc>
-                <a:spcPts val="3550"/>
-              </a:lnSpc>
-              <a:buNone/>
-            </a:pPr>
-            <a:r>
-              <a:rPr lang="en-US" sz="2200" dirty="0">
-                <a:solidFill>
-                  <a:srgbClr val="2B4150"/>
-                </a:solidFill>
-                <a:latin typeface="MuseoModerno Medium" pitchFamily="34" charset="0"/>
-                <a:ea typeface="MuseoModerno Medium" pitchFamily="34" charset="-122"/>
-                <a:cs typeface="MuseoModerno Medium" pitchFamily="34" charset="-120"/>
-              </a:rPr>
-              <a:t>1</a:t>
-            </a:r>
-            <a:endParaRPr lang="en-US" sz="2200" dirty="0"/>
-          </a:p>
-        </p:txBody>
-      </p:sp>
-      <p:sp>
-        <p:nvSpPr>
-          <p:cNvPr id="5" name="Text 3"/>
-          <p:cNvSpPr/>
-          <p:nvPr/>
-        </p:nvSpPr>
-        <p:spPr>
-          <a:xfrm>
-            <a:off x="3194328" y="2486144"/>
-            <a:ext cx="2954179" cy="354330"/>
-          </a:xfrm>
-          <a:prstGeom prst="rect">
-            <a:avLst/>
-          </a:prstGeom>
-          <a:noFill/>
-          <a:ln/>
-        </p:spPr>
-        <p:txBody>
-          <a:bodyPr wrap="none" lIns="0" tIns="0" rIns="0" bIns="0" rtlCol="0" anchor="t"/>
-          <a:lstStyle/>
-          <a:p>
-            <a:pPr marL="0" indent="0" algn="l">
-              <a:lnSpc>
-                <a:spcPts val="2750"/>
-              </a:lnSpc>
-              <a:buNone/>
-            </a:pPr>
-            <a:r>
-              <a:rPr lang="en-US" sz="2200" dirty="0">
-                <a:solidFill>
-                  <a:srgbClr val="2B4150"/>
-                </a:solidFill>
-                <a:latin typeface="MuseoModerno Medium" pitchFamily="34" charset="0"/>
-                <a:ea typeface="MuseoModerno Medium" pitchFamily="34" charset="-122"/>
-                <a:cs typeface="MuseoModerno Medium" pitchFamily="34" charset="-120"/>
-              </a:rPr>
-              <a:t>Backend Deployment</a:t>
-            </a:r>
-            <a:endParaRPr lang="en-US" sz="2200" dirty="0"/>
-          </a:p>
-        </p:txBody>
-      </p:sp>
-      <p:sp>
-        <p:nvSpPr>
-          <p:cNvPr id="6" name="Text 4"/>
-          <p:cNvSpPr/>
-          <p:nvPr/>
-        </p:nvSpPr>
-        <p:spPr>
-          <a:xfrm>
-            <a:off x="3194328" y="2976563"/>
-            <a:ext cx="8036362" cy="362903"/>
-          </a:xfrm>
-          <a:prstGeom prst="rect">
-            <a:avLst/>
-          </a:prstGeom>
-          <a:noFill/>
-          <a:ln/>
-        </p:spPr>
-        <p:txBody>
-          <a:bodyPr wrap="none" lIns="0" tIns="0" rIns="0" bIns="0" rtlCol="0" anchor="t"/>
-          <a:lstStyle/>
-          <a:p>
-            <a:pPr marL="0" indent="0" algn="l">
-              <a:lnSpc>
-                <a:spcPts val="2850"/>
-              </a:lnSpc>
-              <a:buNone/>
-            </a:pPr>
-            <a:r>
-              <a:rPr lang="en-US" sz="1750" dirty="0">
-                <a:solidFill>
-                  <a:srgbClr val="2B4150"/>
-                </a:solidFill>
-                <a:latin typeface="Source Sans Pro" pitchFamily="34" charset="0"/>
-                <a:ea typeface="Source Sans Pro" pitchFamily="34" charset="-122"/>
-                <a:cs typeface="Source Sans Pro" pitchFamily="34" charset="-120"/>
-              </a:rPr>
-              <a:t>The Node.js server is deployed on a cloud platform like Heroku, AWS, or DigitalOcean.</a:t>
-            </a:r>
-            <a:endParaRPr lang="en-US" sz="1750" dirty="0"/>
-          </a:p>
-        </p:txBody>
-      </p:sp>
-      <p:sp>
-        <p:nvSpPr>
-          <p:cNvPr id="7" name="Shape 5"/>
-          <p:cNvSpPr/>
-          <p:nvPr/>
-        </p:nvSpPr>
-        <p:spPr>
-          <a:xfrm>
-            <a:off x="3080861" y="3551039"/>
-            <a:ext cx="10642402" cy="15240"/>
-          </a:xfrm>
-          <a:prstGeom prst="roundRect">
-            <a:avLst>
-              <a:gd name="adj" fmla="val 223256"/>
-            </a:avLst>
-          </a:prstGeom>
-          <a:solidFill>
-            <a:srgbClr val="D9D4C9"/>
-          </a:solidFill>
-          <a:ln/>
-        </p:spPr>
-      </p:sp>
-      <p:sp>
-        <p:nvSpPr>
-          <p:cNvPr id="8" name="Shape 6"/>
-          <p:cNvSpPr/>
-          <p:nvPr/>
-        </p:nvSpPr>
-        <p:spPr>
-          <a:xfrm>
-            <a:off x="793790" y="3679627"/>
-            <a:ext cx="4347567" cy="1669852"/>
-          </a:xfrm>
-          <a:prstGeom prst="roundRect">
-            <a:avLst>
-              <a:gd name="adj" fmla="val 2038"/>
-            </a:avLst>
-          </a:prstGeom>
-          <a:solidFill>
-            <a:srgbClr val="F3EEE3"/>
-          </a:solidFill>
-          <a:ln/>
-        </p:spPr>
-      </p:sp>
-      <p:sp>
-        <p:nvSpPr>
-          <p:cNvPr id="9" name="Text 7"/>
-          <p:cNvSpPr/>
-          <p:nvPr/>
-        </p:nvSpPr>
-        <p:spPr>
-          <a:xfrm>
-            <a:off x="1020604" y="4287798"/>
-            <a:ext cx="157639" cy="453509"/>
-          </a:xfrm>
-          <a:prstGeom prst="rect">
-            <a:avLst/>
-          </a:prstGeom>
-          <a:noFill/>
-          <a:ln/>
-        </p:spPr>
-        <p:txBody>
-          <a:bodyPr wrap="none" lIns="0" tIns="0" rIns="0" bIns="0" rtlCol="0" anchor="t"/>
-          <a:lstStyle/>
-          <a:p>
-            <a:pPr marL="0" indent="0" algn="ctr">
-              <a:lnSpc>
-                <a:spcPts val="3550"/>
-              </a:lnSpc>
-              <a:buNone/>
-            </a:pPr>
-            <a:r>
-              <a:rPr lang="en-US" sz="2200" dirty="0">
-                <a:solidFill>
-                  <a:srgbClr val="2B4150"/>
-                </a:solidFill>
-                <a:latin typeface="MuseoModerno Medium" pitchFamily="34" charset="0"/>
-                <a:ea typeface="MuseoModerno Medium" pitchFamily="34" charset="-122"/>
-                <a:cs typeface="MuseoModerno Medium" pitchFamily="34" charset="-120"/>
-              </a:rPr>
-              <a:t>2</a:t>
-            </a:r>
-            <a:endParaRPr lang="en-US" sz="2200" dirty="0"/>
-          </a:p>
-        </p:txBody>
-      </p:sp>
-      <p:sp>
-        <p:nvSpPr>
-          <p:cNvPr id="10" name="Text 8"/>
-          <p:cNvSpPr/>
-          <p:nvPr/>
-        </p:nvSpPr>
-        <p:spPr>
-          <a:xfrm>
-            <a:off x="5368171" y="3906441"/>
-            <a:ext cx="3004304" cy="354330"/>
-          </a:xfrm>
-          <a:prstGeom prst="rect">
-            <a:avLst/>
-          </a:prstGeom>
-          <a:noFill/>
-          <a:ln/>
-        </p:spPr>
-        <p:txBody>
-          <a:bodyPr wrap="none" lIns="0" tIns="0" rIns="0" bIns="0" rtlCol="0" anchor="t"/>
-          <a:lstStyle/>
-          <a:p>
-            <a:pPr marL="0" indent="0" algn="l">
-              <a:lnSpc>
-                <a:spcPts val="2750"/>
-              </a:lnSpc>
-              <a:buNone/>
-            </a:pPr>
-            <a:r>
-              <a:rPr lang="en-US" sz="2200" dirty="0">
-                <a:solidFill>
-                  <a:srgbClr val="2B4150"/>
-                </a:solidFill>
-                <a:latin typeface="MuseoModerno Medium" pitchFamily="34" charset="0"/>
-                <a:ea typeface="MuseoModerno Medium" pitchFamily="34" charset="-122"/>
-                <a:cs typeface="MuseoModerno Medium" pitchFamily="34" charset="-120"/>
-              </a:rPr>
-              <a:t>Frontend Deployment</a:t>
-            </a:r>
-            <a:endParaRPr lang="en-US" sz="2200" dirty="0"/>
-          </a:p>
-        </p:txBody>
-      </p:sp>
-      <p:sp>
-        <p:nvSpPr>
-          <p:cNvPr id="11" name="Text 9"/>
-          <p:cNvSpPr/>
-          <p:nvPr/>
-        </p:nvSpPr>
-        <p:spPr>
-          <a:xfrm>
-            <a:off x="5368171" y="4396859"/>
-            <a:ext cx="8241625" cy="725805"/>
-          </a:xfrm>
-          <a:prstGeom prst="rect">
-            <a:avLst/>
-          </a:prstGeom>
-          <a:noFill/>
-          <a:ln/>
-        </p:spPr>
-        <p:txBody>
-          <a:bodyPr wrap="square" lIns="0" tIns="0" rIns="0" bIns="0" rtlCol="0" anchor="t"/>
-          <a:lstStyle/>
-          <a:p>
-            <a:pPr marL="0" indent="0" algn="l">
-              <a:lnSpc>
-                <a:spcPts val="2850"/>
-              </a:lnSpc>
-              <a:buNone/>
-            </a:pPr>
-            <a:r>
-              <a:rPr lang="en-US" sz="1750" dirty="0">
-                <a:solidFill>
-                  <a:srgbClr val="2B4150"/>
-                </a:solidFill>
-                <a:latin typeface="Source Sans Pro" pitchFamily="34" charset="0"/>
-                <a:ea typeface="Source Sans Pro" pitchFamily="34" charset="-122"/>
-                <a:cs typeface="Source Sans Pro" pitchFamily="34" charset="-120"/>
-              </a:rPr>
-              <a:t>The React.js application is built and deployed using a front-end hosting services.</a:t>
-            </a:r>
-            <a:endParaRPr lang="en-US" sz="1750" dirty="0"/>
-          </a:p>
-        </p:txBody>
-      </p:sp>
-      <p:sp>
-        <p:nvSpPr>
-          <p:cNvPr id="12" name="Shape 10"/>
-          <p:cNvSpPr/>
-          <p:nvPr/>
-        </p:nvSpPr>
-        <p:spPr>
-          <a:xfrm>
-            <a:off x="5254704" y="5334238"/>
-            <a:ext cx="8468558" cy="15240"/>
-          </a:xfrm>
-          <a:prstGeom prst="roundRect">
-            <a:avLst>
-              <a:gd name="adj" fmla="val 223256"/>
-            </a:avLst>
-          </a:prstGeom>
-          <a:solidFill>
-            <a:srgbClr val="D9D4C9"/>
-          </a:solidFill>
-          <a:ln/>
-        </p:spPr>
-      </p:sp>
-      <p:sp>
-        <p:nvSpPr>
-          <p:cNvPr id="13" name="Shape 11"/>
-          <p:cNvSpPr/>
-          <p:nvPr/>
-        </p:nvSpPr>
-        <p:spPr>
-          <a:xfrm>
-            <a:off x="793790" y="5462826"/>
-            <a:ext cx="6521410" cy="1669852"/>
-          </a:xfrm>
-          <a:prstGeom prst="roundRect">
-            <a:avLst>
-              <a:gd name="adj" fmla="val 2038"/>
-            </a:avLst>
-          </a:prstGeom>
-          <a:solidFill>
-            <a:srgbClr val="F3EEE3"/>
-          </a:solidFill>
-          <a:ln/>
-        </p:spPr>
-      </p:sp>
-      <p:sp>
-        <p:nvSpPr>
-          <p:cNvPr id="14" name="Text 12"/>
-          <p:cNvSpPr/>
-          <p:nvPr/>
-        </p:nvSpPr>
-        <p:spPr>
-          <a:xfrm>
-            <a:off x="1020604" y="6070997"/>
-            <a:ext cx="159306" cy="453509"/>
-          </a:xfrm>
-          <a:prstGeom prst="rect">
-            <a:avLst/>
-          </a:prstGeom>
-          <a:noFill/>
-          <a:ln/>
-        </p:spPr>
-        <p:txBody>
-          <a:bodyPr wrap="none" lIns="0" tIns="0" rIns="0" bIns="0" rtlCol="0" anchor="t"/>
-          <a:lstStyle/>
-          <a:p>
-            <a:pPr marL="0" indent="0" algn="ctr">
-              <a:lnSpc>
-                <a:spcPts val="3550"/>
-              </a:lnSpc>
-              <a:buNone/>
-            </a:pPr>
-            <a:r>
-              <a:rPr lang="en-US" sz="2200" dirty="0">
-                <a:solidFill>
-                  <a:srgbClr val="2B4150"/>
-                </a:solidFill>
-                <a:latin typeface="MuseoModerno Medium" pitchFamily="34" charset="0"/>
-                <a:ea typeface="MuseoModerno Medium" pitchFamily="34" charset="-122"/>
-                <a:cs typeface="MuseoModerno Medium" pitchFamily="34" charset="-120"/>
-              </a:rPr>
-              <a:t>3</a:t>
-            </a:r>
-            <a:endParaRPr lang="en-US" sz="2200" dirty="0"/>
-          </a:p>
-        </p:txBody>
-      </p:sp>
-      <p:sp>
-        <p:nvSpPr>
-          <p:cNvPr id="15" name="Text 13"/>
-          <p:cNvSpPr/>
-          <p:nvPr/>
-        </p:nvSpPr>
-        <p:spPr>
-          <a:xfrm>
-            <a:off x="7542014" y="5689640"/>
-            <a:ext cx="3342442" cy="354330"/>
-          </a:xfrm>
-          <a:prstGeom prst="rect">
-            <a:avLst/>
-          </a:prstGeom>
-          <a:noFill/>
-          <a:ln/>
-        </p:spPr>
-        <p:txBody>
-          <a:bodyPr wrap="none" lIns="0" tIns="0" rIns="0" bIns="0" rtlCol="0" anchor="t"/>
-          <a:lstStyle/>
-          <a:p>
-            <a:pPr marL="0" indent="0" algn="l">
-              <a:lnSpc>
-                <a:spcPts val="2750"/>
-              </a:lnSpc>
-              <a:buNone/>
-            </a:pPr>
-            <a:r>
-              <a:rPr lang="en-US" sz="2200" dirty="0">
-                <a:solidFill>
-                  <a:srgbClr val="2B4150"/>
-                </a:solidFill>
-                <a:latin typeface="MuseoModerno Medium" pitchFamily="34" charset="0"/>
-                <a:ea typeface="MuseoModerno Medium" pitchFamily="34" charset="-122"/>
-                <a:cs typeface="MuseoModerno Medium" pitchFamily="34" charset="-120"/>
-              </a:rPr>
-              <a:t>Database Management</a:t>
-            </a:r>
-            <a:endParaRPr lang="en-US" sz="2200" dirty="0"/>
-          </a:p>
-        </p:txBody>
-      </p:sp>
-      <p:sp>
-        <p:nvSpPr>
-          <p:cNvPr id="16" name="Text 14"/>
-          <p:cNvSpPr/>
-          <p:nvPr/>
-        </p:nvSpPr>
-        <p:spPr>
-          <a:xfrm>
-            <a:off x="7542014" y="6180058"/>
-            <a:ext cx="6067782" cy="725805"/>
-          </a:xfrm>
-          <a:prstGeom prst="rect">
-            <a:avLst/>
-          </a:prstGeom>
-          <a:noFill/>
-          <a:ln/>
-        </p:spPr>
-        <p:txBody>
-          <a:bodyPr wrap="square" lIns="0" tIns="0" rIns="0" bIns="0" rtlCol="0" anchor="t"/>
-          <a:lstStyle/>
-          <a:p>
-            <a:pPr marL="0" indent="0" algn="l">
-              <a:lnSpc>
-                <a:spcPts val="2850"/>
-              </a:lnSpc>
-              <a:buNone/>
-            </a:pPr>
-            <a:r>
-              <a:rPr lang="en-US" sz="1750" dirty="0">
-                <a:solidFill>
-                  <a:srgbClr val="2B4150"/>
-                </a:solidFill>
-                <a:latin typeface="Source Sans Pro" pitchFamily="34" charset="0"/>
-                <a:ea typeface="Source Sans Pro" pitchFamily="34" charset="-122"/>
-                <a:cs typeface="Source Sans Pro" pitchFamily="34" charset="-120"/>
-              </a:rPr>
-              <a:t>The MongoDB database is hosted on a cloud provider on MongoDB Atlas.</a:t>
-            </a:r>
-            <a:endParaRPr lang="en-US" sz="1750" dirty="0"/>
-          </a:p>
-        </p:txBody>
-      </p:sp>
     </p:spTree>
   </p:cSld>
   <p:clrMapOvr>
